--- a/2-DESIGN/Software Analysis.pptx
+++ b/2-DESIGN/Software Analysis.pptx
@@ -5,11 +5,18 @@
     <p:sldMasterId id="2147483648" r:id="rId1"/>
   </p:sldMasterIdLst>
   <p:notesMasterIdLst>
-    <p:notesMasterId r:id="rId4"/>
+    <p:notesMasterId r:id="rId11"/>
   </p:notesMasterIdLst>
   <p:sldIdLst>
-    <p:sldId id="256" r:id="rId2"/>
-    <p:sldId id="257" r:id="rId3"/>
+    <p:sldId id="264" r:id="rId2"/>
+    <p:sldId id="256" r:id="rId3"/>
+    <p:sldId id="260" r:id="rId4"/>
+    <p:sldId id="258" r:id="rId5"/>
+    <p:sldId id="259" r:id="rId6"/>
+    <p:sldId id="263" r:id="rId7"/>
+    <p:sldId id="257" r:id="rId8"/>
+    <p:sldId id="261" r:id="rId9"/>
+    <p:sldId id="262" r:id="rId10"/>
   </p:sldIdLst>
   <p:sldSz cx="12192000" cy="6858000"/>
   <p:notesSz cx="6858000" cy="9144000"/>
@@ -108,6 +115,11 @@
       </a:defRPr>
     </a:lvl9pPr>
   </p:defaultTextStyle>
+  <p:extLst>
+    <p:ext uri="{EFAFB233-063F-42B5-8137-9DF3F51BA10A}">
+      <p15:sldGuideLst xmlns:p15="http://schemas.microsoft.com/office/powerpoint/2012/main"/>
+    </p:ext>
+  </p:extLst>
 </p:presentation>
 </file>
 
@@ -193,7 +205,7 @@
           <a:p>
             <a:fld id="{F95A5E98-FF28-4F64-AF71-467CBB8FB4CE}" type="datetimeFigureOut">
               <a:rPr lang="en-US" smtClean="0"/>
-              <a:t>8/15/2025</a:t>
+              <a:t>8/22/2025</a:t>
             </a:fld>
             <a:endParaRPr lang="en-US"/>
           </a:p>
@@ -525,7 +537,7 @@
           <a:p>
             <a:fld id="{9204BBEE-B810-41FC-8327-625766396F57}" type="slidenum">
               <a:rPr lang="en-US" smtClean="0"/>
-              <a:t>1</a:t>
+              <a:t>2</a:t>
             </a:fld>
             <a:endParaRPr lang="en-US"/>
           </a:p>
@@ -691,7 +703,7 @@
           <a:p>
             <a:fld id="{1D4FEFC3-E159-433B-9D28-4347FCA13A98}" type="datetimeFigureOut">
               <a:rPr lang="en-US" smtClean="0"/>
-              <a:t>8/15/2025</a:t>
+              <a:t>8/22/2025</a:t>
             </a:fld>
             <a:endParaRPr lang="en-US"/>
           </a:p>
@@ -889,7 +901,7 @@
           <a:p>
             <a:fld id="{1D4FEFC3-E159-433B-9D28-4347FCA13A98}" type="datetimeFigureOut">
               <a:rPr lang="en-US" smtClean="0"/>
-              <a:t>8/15/2025</a:t>
+              <a:t>8/22/2025</a:t>
             </a:fld>
             <a:endParaRPr lang="en-US"/>
           </a:p>
@@ -1097,7 +1109,7 @@
           <a:p>
             <a:fld id="{1D4FEFC3-E159-433B-9D28-4347FCA13A98}" type="datetimeFigureOut">
               <a:rPr lang="en-US" smtClean="0"/>
-              <a:t>8/15/2025</a:t>
+              <a:t>8/22/2025</a:t>
             </a:fld>
             <a:endParaRPr lang="en-US"/>
           </a:p>
@@ -1295,7 +1307,7 @@
           <a:p>
             <a:fld id="{1D4FEFC3-E159-433B-9D28-4347FCA13A98}" type="datetimeFigureOut">
               <a:rPr lang="en-US" smtClean="0"/>
-              <a:t>8/15/2025</a:t>
+              <a:t>8/22/2025</a:t>
             </a:fld>
             <a:endParaRPr lang="en-US"/>
           </a:p>
@@ -1570,7 +1582,7 @@
           <a:p>
             <a:fld id="{1D4FEFC3-E159-433B-9D28-4347FCA13A98}" type="datetimeFigureOut">
               <a:rPr lang="en-US" smtClean="0"/>
-              <a:t>8/15/2025</a:t>
+              <a:t>8/22/2025</a:t>
             </a:fld>
             <a:endParaRPr lang="en-US"/>
           </a:p>
@@ -1835,7 +1847,7 @@
           <a:p>
             <a:fld id="{1D4FEFC3-E159-433B-9D28-4347FCA13A98}" type="datetimeFigureOut">
               <a:rPr lang="en-US" smtClean="0"/>
-              <a:t>8/15/2025</a:t>
+              <a:t>8/22/2025</a:t>
             </a:fld>
             <a:endParaRPr lang="en-US"/>
           </a:p>
@@ -2247,7 +2259,7 @@
           <a:p>
             <a:fld id="{1D4FEFC3-E159-433B-9D28-4347FCA13A98}" type="datetimeFigureOut">
               <a:rPr lang="en-US" smtClean="0"/>
-              <a:t>8/15/2025</a:t>
+              <a:t>8/22/2025</a:t>
             </a:fld>
             <a:endParaRPr lang="en-US"/>
           </a:p>
@@ -2388,7 +2400,7 @@
           <a:p>
             <a:fld id="{1D4FEFC3-E159-433B-9D28-4347FCA13A98}" type="datetimeFigureOut">
               <a:rPr lang="en-US" smtClean="0"/>
-              <a:t>8/15/2025</a:t>
+              <a:t>8/22/2025</a:t>
             </a:fld>
             <a:endParaRPr lang="en-US"/>
           </a:p>
@@ -2501,7 +2513,7 @@
           <a:p>
             <a:fld id="{1D4FEFC3-E159-433B-9D28-4347FCA13A98}" type="datetimeFigureOut">
               <a:rPr lang="en-US" smtClean="0"/>
-              <a:t>8/15/2025</a:t>
+              <a:t>8/22/2025</a:t>
             </a:fld>
             <a:endParaRPr lang="en-US"/>
           </a:p>
@@ -2812,7 +2824,7 @@
           <a:p>
             <a:fld id="{1D4FEFC3-E159-433B-9D28-4347FCA13A98}" type="datetimeFigureOut">
               <a:rPr lang="en-US" smtClean="0"/>
-              <a:t>8/15/2025</a:t>
+              <a:t>8/22/2025</a:t>
             </a:fld>
             <a:endParaRPr lang="en-US"/>
           </a:p>
@@ -3100,7 +3112,7 @@
           <a:p>
             <a:fld id="{1D4FEFC3-E159-433B-9D28-4347FCA13A98}" type="datetimeFigureOut">
               <a:rPr lang="en-US" smtClean="0"/>
-              <a:t>8/15/2025</a:t>
+              <a:t>8/22/2025</a:t>
             </a:fld>
             <a:endParaRPr lang="en-US"/>
           </a:p>
@@ -3341,7 +3353,7 @@
           <a:p>
             <a:fld id="{1D4FEFC3-E159-433B-9D28-4347FCA13A98}" type="datetimeFigureOut">
               <a:rPr lang="en-US" smtClean="0"/>
-              <a:t>8/15/2025</a:t>
+              <a:t>8/22/2025</a:t>
             </a:fld>
             <a:endParaRPr lang="en-US"/>
           </a:p>
@@ -3746,6 +3758,98 @@
   <p:cSld>
     <p:spTree>
       <p:nvGrpSpPr>
+        <p:cNvPr id="1" name="">
+          <a:extLst>
+            <a:ext uri="{FF2B5EF4-FFF2-40B4-BE49-F238E27FC236}">
+              <a16:creationId xmlns:a16="http://schemas.microsoft.com/office/drawing/2014/main" id="{EB8ACA92-0E66-B000-CB5E-8B9CB9947DBA}"/>
+            </a:ext>
+          </a:extLst>
+        </p:cNvPr>
+        <p:cNvGrpSpPr/>
+        <p:nvPr/>
+      </p:nvGrpSpPr>
+      <p:grpSpPr>
+        <a:xfrm>
+          <a:off x="0" y="0"/>
+          <a:ext cx="0" cy="0"/>
+          <a:chOff x="0" y="0"/>
+          <a:chExt cx="0" cy="0"/>
+        </a:xfrm>
+      </p:grpSpPr>
+      <p:sp>
+        <p:nvSpPr>
+          <p:cNvPr id="4" name="Rectangle 3">
+            <a:extLst>
+              <a:ext uri="{FF2B5EF4-FFF2-40B4-BE49-F238E27FC236}">
+                <a16:creationId xmlns:a16="http://schemas.microsoft.com/office/drawing/2014/main" id="{15219402-C0CA-5534-4252-E2AECA141D8E}"/>
+              </a:ext>
+            </a:extLst>
+          </p:cNvPr>
+          <p:cNvSpPr/>
+          <p:nvPr/>
+        </p:nvSpPr>
+        <p:spPr>
+          <a:xfrm>
+            <a:off x="1952786" y="1394847"/>
+            <a:ext cx="8834034" cy="3177153"/>
+          </a:xfrm>
+          <a:prstGeom prst="rect">
+            <a:avLst/>
+          </a:prstGeom>
+        </p:spPr>
+        <p:style>
+          <a:lnRef idx="2">
+            <a:schemeClr val="accent1">
+              <a:shade val="15000"/>
+            </a:schemeClr>
+          </a:lnRef>
+          <a:fillRef idx="1">
+            <a:schemeClr val="accent1"/>
+          </a:fillRef>
+          <a:effectRef idx="0">
+            <a:schemeClr val="accent1"/>
+          </a:effectRef>
+          <a:fontRef idx="minor">
+            <a:schemeClr val="lt1"/>
+          </a:fontRef>
+        </p:style>
+        <p:txBody>
+          <a:bodyPr rtlCol="0" anchor="ctr"/>
+          <a:lstStyle/>
+          <a:p>
+            <a:pPr algn="ctr"/>
+            <a:r>
+              <a:rPr lang="en-US" sz="4800" b="1" dirty="0"/>
+              <a:t>ASSESS FORM</a:t>
+            </a:r>
+          </a:p>
+          <a:p>
+            <a:pPr algn="ctr"/>
+            <a:r>
+              <a:rPr lang="en-US" sz="4800" b="1" dirty="0"/>
+              <a:t>APPLICATION</a:t>
+            </a:r>
+          </a:p>
+        </p:txBody>
+      </p:sp>
+    </p:spTree>
+    <p:extLst>
+      <p:ext uri="{BB962C8B-B14F-4D97-AF65-F5344CB8AC3E}">
+        <p14:creationId xmlns:p14="http://schemas.microsoft.com/office/powerpoint/2010/main" val="479015028"/>
+      </p:ext>
+    </p:extLst>
+  </p:cSld>
+  <p:clrMapOvr>
+    <a:masterClrMapping/>
+  </p:clrMapOvr>
+</p:sld>
+</file>
+
+<file path=ppt/slides/slide2.xml><?xml version="1.0" encoding="utf-8"?>
+<p:sld xmlns:a="http://schemas.openxmlformats.org/drawingml/2006/main" xmlns:r="http://schemas.openxmlformats.org/officeDocument/2006/relationships" xmlns:p="http://schemas.openxmlformats.org/presentationml/2006/main">
+  <p:cSld>
+    <p:spTree>
+      <p:nvGrpSpPr>
         <p:cNvPr id="1" name=""/>
         <p:cNvGrpSpPr/>
         <p:nvPr/>
@@ -5958,84 +6062,105 @@
           </a:fontRef>
         </p:style>
       </p:cxnSp>
-      <p:cxnSp>
-        <p:nvCxnSpPr>
-          <p:cNvPr id="72" name="Straight Connector 71">
-            <a:extLst>
-              <a:ext uri="{FF2B5EF4-FFF2-40B4-BE49-F238E27FC236}">
-                <a16:creationId xmlns:a16="http://schemas.microsoft.com/office/drawing/2014/main" id="{CB7138B3-C440-DC88-F17B-3785CF69BD8E}"/>
-              </a:ext>
-            </a:extLst>
-          </p:cNvPr>
-          <p:cNvCxnSpPr/>
-          <p:nvPr/>
-        </p:nvCxnSpPr>
-        <p:spPr>
-          <a:xfrm flipV="1">
-            <a:off x="14597955" y="1682202"/>
-            <a:ext cx="0" cy="2238809"/>
-          </a:xfrm>
-          <a:prstGeom prst="line">
-            <a:avLst/>
-          </a:prstGeom>
-        </p:spPr>
-        <p:style>
-          <a:lnRef idx="2">
-            <a:schemeClr val="accent1"/>
-          </a:lnRef>
-          <a:fillRef idx="0">
-            <a:schemeClr val="accent1"/>
-          </a:fillRef>
-          <a:effectRef idx="1">
-            <a:schemeClr val="accent1"/>
-          </a:effectRef>
-          <a:fontRef idx="minor">
-            <a:schemeClr val="tx1"/>
-          </a:fontRef>
-        </p:style>
-      </p:cxnSp>
-      <p:cxnSp>
-        <p:nvCxnSpPr>
-          <p:cNvPr id="74" name="Straight Connector 73">
-            <a:extLst>
-              <a:ext uri="{FF2B5EF4-FFF2-40B4-BE49-F238E27FC236}">
-                <a16:creationId xmlns:a16="http://schemas.microsoft.com/office/drawing/2014/main" id="{9EE359C8-AA23-DCD0-884B-78084FDF7E1F}"/>
-              </a:ext>
-            </a:extLst>
-          </p:cNvPr>
-          <p:cNvCxnSpPr>
-            <a:cxnSpLocks/>
-          </p:cNvCxnSpPr>
-          <p:nvPr/>
-        </p:nvCxnSpPr>
-        <p:spPr>
-          <a:xfrm>
-            <a:off x="13674340" y="1710944"/>
-            <a:ext cx="923615" cy="0"/>
-          </a:xfrm>
-          <a:prstGeom prst="line">
-            <a:avLst/>
-          </a:prstGeom>
-          <a:ln>
-            <a:headEnd type="arrow" w="med" len="med"/>
-            <a:tailEnd type="none" w="med" len="med"/>
-          </a:ln>
-        </p:spPr>
-        <p:style>
-          <a:lnRef idx="2">
-            <a:schemeClr val="accent1"/>
-          </a:lnRef>
-          <a:fillRef idx="0">
-            <a:schemeClr val="accent1"/>
-          </a:fillRef>
-          <a:effectRef idx="1">
-            <a:schemeClr val="accent1"/>
-          </a:effectRef>
-          <a:fontRef idx="minor">
-            <a:schemeClr val="tx1"/>
-          </a:fontRef>
-        </p:style>
-      </p:cxnSp>
+      <p:grpSp>
+        <p:nvGrpSpPr>
+          <p:cNvPr id="2" name="Group 1">
+            <a:extLst>
+              <a:ext uri="{FF2B5EF4-FFF2-40B4-BE49-F238E27FC236}">
+                <a16:creationId xmlns:a16="http://schemas.microsoft.com/office/drawing/2014/main" id="{BAD66B2D-7BDF-E557-8ADA-3F55047CA2EB}"/>
+              </a:ext>
+            </a:extLst>
+          </p:cNvPr>
+          <p:cNvGrpSpPr/>
+          <p:nvPr/>
+        </p:nvGrpSpPr>
+        <p:grpSpPr>
+          <a:xfrm>
+            <a:off x="13674340" y="1682202"/>
+            <a:ext cx="923615" cy="2238809"/>
+            <a:chOff x="13674340" y="1682202"/>
+            <a:chExt cx="923615" cy="2238809"/>
+          </a:xfrm>
+        </p:grpSpPr>
+        <p:cxnSp>
+          <p:nvCxnSpPr>
+            <p:cNvPr id="72" name="Straight Connector 71">
+              <a:extLst>
+                <a:ext uri="{FF2B5EF4-FFF2-40B4-BE49-F238E27FC236}">
+                  <a16:creationId xmlns:a16="http://schemas.microsoft.com/office/drawing/2014/main" id="{CB7138B3-C440-DC88-F17B-3785CF69BD8E}"/>
+                </a:ext>
+              </a:extLst>
+            </p:cNvPr>
+            <p:cNvCxnSpPr/>
+            <p:nvPr/>
+          </p:nvCxnSpPr>
+          <p:spPr>
+            <a:xfrm flipV="1">
+              <a:off x="14597955" y="1682202"/>
+              <a:ext cx="0" cy="2238809"/>
+            </a:xfrm>
+            <a:prstGeom prst="line">
+              <a:avLst/>
+            </a:prstGeom>
+          </p:spPr>
+          <p:style>
+            <a:lnRef idx="2">
+              <a:schemeClr val="accent1"/>
+            </a:lnRef>
+            <a:fillRef idx="0">
+              <a:schemeClr val="accent1"/>
+            </a:fillRef>
+            <a:effectRef idx="1">
+              <a:schemeClr val="accent1"/>
+            </a:effectRef>
+            <a:fontRef idx="minor">
+              <a:schemeClr val="tx1"/>
+            </a:fontRef>
+          </p:style>
+        </p:cxnSp>
+        <p:cxnSp>
+          <p:nvCxnSpPr>
+            <p:cNvPr id="74" name="Straight Connector 73">
+              <a:extLst>
+                <a:ext uri="{FF2B5EF4-FFF2-40B4-BE49-F238E27FC236}">
+                  <a16:creationId xmlns:a16="http://schemas.microsoft.com/office/drawing/2014/main" id="{9EE359C8-AA23-DCD0-884B-78084FDF7E1F}"/>
+                </a:ext>
+              </a:extLst>
+            </p:cNvPr>
+            <p:cNvCxnSpPr>
+              <a:cxnSpLocks/>
+            </p:cNvCxnSpPr>
+            <p:nvPr/>
+          </p:nvCxnSpPr>
+          <p:spPr>
+            <a:xfrm>
+              <a:off x="13674340" y="1710944"/>
+              <a:ext cx="923615" cy="0"/>
+            </a:xfrm>
+            <a:prstGeom prst="line">
+              <a:avLst/>
+            </a:prstGeom>
+            <a:ln>
+              <a:headEnd type="arrow" w="med" len="med"/>
+              <a:tailEnd type="none" w="med" len="med"/>
+            </a:ln>
+          </p:spPr>
+          <p:style>
+            <a:lnRef idx="2">
+              <a:schemeClr val="accent1"/>
+            </a:lnRef>
+            <a:fillRef idx="0">
+              <a:schemeClr val="accent1"/>
+            </a:fillRef>
+            <a:effectRef idx="1">
+              <a:schemeClr val="accent1"/>
+            </a:effectRef>
+            <a:fontRef idx="minor">
+              <a:schemeClr val="tx1"/>
+            </a:fontRef>
+          </p:style>
+        </p:cxnSp>
+      </p:grpSp>
       <p:sp>
         <p:nvSpPr>
           <p:cNvPr id="77" name="Rectangle 76">
@@ -8014,84 +8139,105 @@
           </a:fontRef>
         </p:style>
       </p:cxnSp>
-      <p:cxnSp>
-        <p:nvCxnSpPr>
-          <p:cNvPr id="138" name="Straight Connector 137">
-            <a:extLst>
-              <a:ext uri="{FF2B5EF4-FFF2-40B4-BE49-F238E27FC236}">
-                <a16:creationId xmlns:a16="http://schemas.microsoft.com/office/drawing/2014/main" id="{62535575-75B3-5CEE-5341-034355281254}"/>
-              </a:ext>
-            </a:extLst>
-          </p:cNvPr>
-          <p:cNvCxnSpPr/>
-          <p:nvPr/>
-        </p:nvCxnSpPr>
-        <p:spPr>
-          <a:xfrm flipV="1">
-            <a:off x="14168834" y="4263393"/>
-            <a:ext cx="0" cy="2238809"/>
-          </a:xfrm>
-          <a:prstGeom prst="line">
-            <a:avLst/>
-          </a:prstGeom>
-        </p:spPr>
-        <p:style>
-          <a:lnRef idx="2">
-            <a:schemeClr val="accent1"/>
-          </a:lnRef>
-          <a:fillRef idx="0">
-            <a:schemeClr val="accent1"/>
-          </a:fillRef>
-          <a:effectRef idx="1">
-            <a:schemeClr val="accent1"/>
-          </a:effectRef>
-          <a:fontRef idx="minor">
-            <a:schemeClr val="tx1"/>
-          </a:fontRef>
-        </p:style>
-      </p:cxnSp>
-      <p:cxnSp>
-        <p:nvCxnSpPr>
-          <p:cNvPr id="139" name="Straight Connector 138">
-            <a:extLst>
-              <a:ext uri="{FF2B5EF4-FFF2-40B4-BE49-F238E27FC236}">
-                <a16:creationId xmlns:a16="http://schemas.microsoft.com/office/drawing/2014/main" id="{7D871CEE-533B-BD58-65E5-36DB889E8C28}"/>
-              </a:ext>
-            </a:extLst>
-          </p:cNvPr>
-          <p:cNvCxnSpPr>
-            <a:cxnSpLocks/>
-          </p:cNvCxnSpPr>
-          <p:nvPr/>
-        </p:nvCxnSpPr>
-        <p:spPr>
-          <a:xfrm>
-            <a:off x="13245219" y="4292135"/>
-            <a:ext cx="923615" cy="0"/>
-          </a:xfrm>
-          <a:prstGeom prst="line">
-            <a:avLst/>
-          </a:prstGeom>
-          <a:ln>
-            <a:headEnd type="arrow" w="med" len="med"/>
-            <a:tailEnd type="none" w="med" len="med"/>
-          </a:ln>
-        </p:spPr>
-        <p:style>
-          <a:lnRef idx="2">
-            <a:schemeClr val="accent1"/>
-          </a:lnRef>
-          <a:fillRef idx="0">
-            <a:schemeClr val="accent1"/>
-          </a:fillRef>
-          <a:effectRef idx="1">
-            <a:schemeClr val="accent1"/>
-          </a:effectRef>
-          <a:fontRef idx="minor">
-            <a:schemeClr val="tx1"/>
-          </a:fontRef>
-        </p:style>
-      </p:cxnSp>
+      <p:grpSp>
+        <p:nvGrpSpPr>
+          <p:cNvPr id="3" name="Group 2">
+            <a:extLst>
+              <a:ext uri="{FF2B5EF4-FFF2-40B4-BE49-F238E27FC236}">
+                <a16:creationId xmlns:a16="http://schemas.microsoft.com/office/drawing/2014/main" id="{C1858DB9-3928-3972-3FD5-2E1A4E08263F}"/>
+              </a:ext>
+            </a:extLst>
+          </p:cNvPr>
+          <p:cNvGrpSpPr/>
+          <p:nvPr/>
+        </p:nvGrpSpPr>
+        <p:grpSpPr>
+          <a:xfrm>
+            <a:off x="13245219" y="4263393"/>
+            <a:ext cx="923615" cy="2238809"/>
+            <a:chOff x="13245219" y="4263393"/>
+            <a:chExt cx="923615" cy="2238809"/>
+          </a:xfrm>
+        </p:grpSpPr>
+        <p:cxnSp>
+          <p:nvCxnSpPr>
+            <p:cNvPr id="138" name="Straight Connector 137">
+              <a:extLst>
+                <a:ext uri="{FF2B5EF4-FFF2-40B4-BE49-F238E27FC236}">
+                  <a16:creationId xmlns:a16="http://schemas.microsoft.com/office/drawing/2014/main" id="{62535575-75B3-5CEE-5341-034355281254}"/>
+                </a:ext>
+              </a:extLst>
+            </p:cNvPr>
+            <p:cNvCxnSpPr/>
+            <p:nvPr/>
+          </p:nvCxnSpPr>
+          <p:spPr>
+            <a:xfrm flipV="1">
+              <a:off x="14168834" y="4263393"/>
+              <a:ext cx="0" cy="2238809"/>
+            </a:xfrm>
+            <a:prstGeom prst="line">
+              <a:avLst/>
+            </a:prstGeom>
+          </p:spPr>
+          <p:style>
+            <a:lnRef idx="2">
+              <a:schemeClr val="accent1"/>
+            </a:lnRef>
+            <a:fillRef idx="0">
+              <a:schemeClr val="accent1"/>
+            </a:fillRef>
+            <a:effectRef idx="1">
+              <a:schemeClr val="accent1"/>
+            </a:effectRef>
+            <a:fontRef idx="minor">
+              <a:schemeClr val="tx1"/>
+            </a:fontRef>
+          </p:style>
+        </p:cxnSp>
+        <p:cxnSp>
+          <p:nvCxnSpPr>
+            <p:cNvPr id="139" name="Straight Connector 138">
+              <a:extLst>
+                <a:ext uri="{FF2B5EF4-FFF2-40B4-BE49-F238E27FC236}">
+                  <a16:creationId xmlns:a16="http://schemas.microsoft.com/office/drawing/2014/main" id="{7D871CEE-533B-BD58-65E5-36DB889E8C28}"/>
+                </a:ext>
+              </a:extLst>
+            </p:cNvPr>
+            <p:cNvCxnSpPr>
+              <a:cxnSpLocks/>
+            </p:cNvCxnSpPr>
+            <p:nvPr/>
+          </p:nvCxnSpPr>
+          <p:spPr>
+            <a:xfrm>
+              <a:off x="13245219" y="4292135"/>
+              <a:ext cx="923615" cy="0"/>
+            </a:xfrm>
+            <a:prstGeom prst="line">
+              <a:avLst/>
+            </a:prstGeom>
+            <a:ln>
+              <a:headEnd type="arrow" w="med" len="med"/>
+              <a:tailEnd type="none" w="med" len="med"/>
+            </a:ln>
+          </p:spPr>
+          <p:style>
+            <a:lnRef idx="2">
+              <a:schemeClr val="accent1"/>
+            </a:lnRef>
+            <a:fillRef idx="0">
+              <a:schemeClr val="accent1"/>
+            </a:fillRef>
+            <a:effectRef idx="1">
+              <a:schemeClr val="accent1"/>
+            </a:effectRef>
+            <a:fontRef idx="minor">
+              <a:schemeClr val="tx1"/>
+            </a:fontRef>
+          </p:style>
+        </p:cxnSp>
+      </p:grpSp>
       <p:sp>
         <p:nvSpPr>
           <p:cNvPr id="142" name="Rectangle 141">
@@ -9807,7 +9953,273 @@
 </p:sld>
 </file>
 
-<file path=ppt/slides/slide2.xml><?xml version="1.0" encoding="utf-8"?>
+<file path=ppt/slides/slide3.xml><?xml version="1.0" encoding="utf-8"?>
+<p:sld xmlns:a="http://schemas.openxmlformats.org/drawingml/2006/main" xmlns:r="http://schemas.openxmlformats.org/officeDocument/2006/relationships" xmlns:p="http://schemas.openxmlformats.org/presentationml/2006/main">
+  <p:cSld>
+    <p:spTree>
+      <p:nvGrpSpPr>
+        <p:cNvPr id="1" name=""/>
+        <p:cNvGrpSpPr/>
+        <p:nvPr/>
+      </p:nvGrpSpPr>
+      <p:grpSpPr>
+        <a:xfrm>
+          <a:off x="0" y="0"/>
+          <a:ext cx="0" cy="0"/>
+          <a:chOff x="0" y="0"/>
+          <a:chExt cx="0" cy="0"/>
+        </a:xfrm>
+      </p:grpSpPr>
+      <p:pic>
+        <p:nvPicPr>
+          <p:cNvPr id="4" name="Picture 3">
+            <a:extLst>
+              <a:ext uri="{FF2B5EF4-FFF2-40B4-BE49-F238E27FC236}">
+                <a16:creationId xmlns:a16="http://schemas.microsoft.com/office/drawing/2014/main" id="{25C56EEB-20E2-30D8-393F-A47C32ECBC07}"/>
+              </a:ext>
+            </a:extLst>
+          </p:cNvPr>
+          <p:cNvPicPr>
+            <a:picLocks noChangeAspect="1"/>
+          </p:cNvPicPr>
+          <p:nvPr/>
+        </p:nvPicPr>
+        <p:blipFill>
+          <a:blip r:embed="rId2"/>
+          <a:stretch>
+            <a:fillRect/>
+          </a:stretch>
+        </p:blipFill>
+        <p:spPr>
+          <a:xfrm>
+            <a:off x="270622" y="568198"/>
+            <a:ext cx="11502278" cy="5360792"/>
+          </a:xfrm>
+          <a:prstGeom prst="rect">
+            <a:avLst/>
+          </a:prstGeom>
+        </p:spPr>
+      </p:pic>
+    </p:spTree>
+    <p:extLst>
+      <p:ext uri="{BB962C8B-B14F-4D97-AF65-F5344CB8AC3E}">
+        <p14:creationId xmlns:p14="http://schemas.microsoft.com/office/powerpoint/2010/main" val="3157573271"/>
+      </p:ext>
+    </p:extLst>
+  </p:cSld>
+  <p:clrMapOvr>
+    <a:masterClrMapping/>
+  </p:clrMapOvr>
+</p:sld>
+</file>
+
+<file path=ppt/slides/slide4.xml><?xml version="1.0" encoding="utf-8"?>
+<p:sld xmlns:a="http://schemas.openxmlformats.org/drawingml/2006/main" xmlns:r="http://schemas.openxmlformats.org/officeDocument/2006/relationships" xmlns:p="http://schemas.openxmlformats.org/presentationml/2006/main">
+  <p:cSld>
+    <p:spTree>
+      <p:nvGrpSpPr>
+        <p:cNvPr id="1" name=""/>
+        <p:cNvGrpSpPr/>
+        <p:nvPr/>
+      </p:nvGrpSpPr>
+      <p:grpSpPr>
+        <a:xfrm>
+          <a:off x="0" y="0"/>
+          <a:ext cx="0" cy="0"/>
+          <a:chOff x="0" y="0"/>
+          <a:chExt cx="0" cy="0"/>
+        </a:xfrm>
+      </p:grpSpPr>
+      <p:pic>
+        <p:nvPicPr>
+          <p:cNvPr id="5" name="Picture 4">
+            <a:extLst>
+              <a:ext uri="{FF2B5EF4-FFF2-40B4-BE49-F238E27FC236}">
+                <a16:creationId xmlns:a16="http://schemas.microsoft.com/office/drawing/2014/main" id="{4FD645BB-8487-3043-30B8-25ACF633C5F4}"/>
+              </a:ext>
+            </a:extLst>
+          </p:cNvPr>
+          <p:cNvPicPr>
+            <a:picLocks noChangeAspect="1"/>
+          </p:cNvPicPr>
+          <p:nvPr/>
+        </p:nvPicPr>
+        <p:blipFill>
+          <a:blip r:embed="rId2"/>
+          <a:stretch>
+            <a:fillRect/>
+          </a:stretch>
+        </p:blipFill>
+        <p:spPr>
+          <a:xfrm>
+            <a:off x="0" y="926431"/>
+            <a:ext cx="12215865" cy="5073316"/>
+          </a:xfrm>
+          <a:prstGeom prst="rect">
+            <a:avLst/>
+          </a:prstGeom>
+        </p:spPr>
+      </p:pic>
+    </p:spTree>
+    <p:extLst>
+      <p:ext uri="{BB962C8B-B14F-4D97-AF65-F5344CB8AC3E}">
+        <p14:creationId xmlns:p14="http://schemas.microsoft.com/office/powerpoint/2010/main" val="2720051733"/>
+      </p:ext>
+    </p:extLst>
+  </p:cSld>
+  <p:clrMapOvr>
+    <a:masterClrMapping/>
+  </p:clrMapOvr>
+</p:sld>
+</file>
+
+<file path=ppt/slides/slide5.xml><?xml version="1.0" encoding="utf-8"?>
+<p:sld xmlns:a="http://schemas.openxmlformats.org/drawingml/2006/main" xmlns:r="http://schemas.openxmlformats.org/officeDocument/2006/relationships" xmlns:p="http://schemas.openxmlformats.org/presentationml/2006/main">
+  <p:cSld>
+    <p:spTree>
+      <p:nvGrpSpPr>
+        <p:cNvPr id="1" name=""/>
+        <p:cNvGrpSpPr/>
+        <p:nvPr/>
+      </p:nvGrpSpPr>
+      <p:grpSpPr>
+        <a:xfrm>
+          <a:off x="0" y="0"/>
+          <a:ext cx="0" cy="0"/>
+          <a:chOff x="0" y="0"/>
+          <a:chExt cx="0" cy="0"/>
+        </a:xfrm>
+      </p:grpSpPr>
+      <p:pic>
+        <p:nvPicPr>
+          <p:cNvPr id="4" name="Picture 3">
+            <a:extLst>
+              <a:ext uri="{FF2B5EF4-FFF2-40B4-BE49-F238E27FC236}">
+                <a16:creationId xmlns:a16="http://schemas.microsoft.com/office/drawing/2014/main" id="{6F7DC128-EE54-5428-443C-096895C3AF63}"/>
+              </a:ext>
+            </a:extLst>
+          </p:cNvPr>
+          <p:cNvPicPr>
+            <a:picLocks noChangeAspect="1"/>
+          </p:cNvPicPr>
+          <p:nvPr/>
+        </p:nvPicPr>
+        <p:blipFill>
+          <a:blip r:embed="rId2"/>
+          <a:stretch>
+            <a:fillRect/>
+          </a:stretch>
+        </p:blipFill>
+        <p:spPr>
+          <a:xfrm>
+            <a:off x="304800" y="82022"/>
+            <a:ext cx="11341768" cy="6693956"/>
+          </a:xfrm>
+          <a:prstGeom prst="rect">
+            <a:avLst/>
+          </a:prstGeom>
+        </p:spPr>
+      </p:pic>
+    </p:spTree>
+    <p:extLst>
+      <p:ext uri="{BB962C8B-B14F-4D97-AF65-F5344CB8AC3E}">
+        <p14:creationId xmlns:p14="http://schemas.microsoft.com/office/powerpoint/2010/main" val="136680451"/>
+      </p:ext>
+    </p:extLst>
+  </p:cSld>
+  <p:clrMapOvr>
+    <a:masterClrMapping/>
+  </p:clrMapOvr>
+</p:sld>
+</file>
+
+<file path=ppt/slides/slide6.xml><?xml version="1.0" encoding="utf-8"?>
+<p:sld xmlns:a="http://schemas.openxmlformats.org/drawingml/2006/main" xmlns:r="http://schemas.openxmlformats.org/officeDocument/2006/relationships" xmlns:p="http://schemas.openxmlformats.org/presentationml/2006/main">
+  <p:cSld>
+    <p:spTree>
+      <p:nvGrpSpPr>
+        <p:cNvPr id="1" name=""/>
+        <p:cNvGrpSpPr/>
+        <p:nvPr/>
+      </p:nvGrpSpPr>
+      <p:grpSpPr>
+        <a:xfrm>
+          <a:off x="0" y="0"/>
+          <a:ext cx="0" cy="0"/>
+          <a:chOff x="0" y="0"/>
+          <a:chExt cx="0" cy="0"/>
+        </a:xfrm>
+      </p:grpSpPr>
+      <p:sp>
+        <p:nvSpPr>
+          <p:cNvPr id="4" name="Rectangle 3">
+            <a:extLst>
+              <a:ext uri="{FF2B5EF4-FFF2-40B4-BE49-F238E27FC236}">
+                <a16:creationId xmlns:a16="http://schemas.microsoft.com/office/drawing/2014/main" id="{BB392BDB-6144-C89F-5A2B-673221052820}"/>
+              </a:ext>
+            </a:extLst>
+          </p:cNvPr>
+          <p:cNvSpPr/>
+          <p:nvPr/>
+        </p:nvSpPr>
+        <p:spPr>
+          <a:xfrm>
+            <a:off x="1952786" y="1394847"/>
+            <a:ext cx="8834034" cy="3177153"/>
+          </a:xfrm>
+          <a:prstGeom prst="rect">
+            <a:avLst/>
+          </a:prstGeom>
+        </p:spPr>
+        <p:style>
+          <a:lnRef idx="2">
+            <a:schemeClr val="accent1">
+              <a:shade val="15000"/>
+            </a:schemeClr>
+          </a:lnRef>
+          <a:fillRef idx="1">
+            <a:schemeClr val="accent1"/>
+          </a:fillRef>
+          <a:effectRef idx="0">
+            <a:schemeClr val="accent1"/>
+          </a:effectRef>
+          <a:fontRef idx="minor">
+            <a:schemeClr val="lt1"/>
+          </a:fontRef>
+        </p:style>
+        <p:txBody>
+          <a:bodyPr rtlCol="0" anchor="ctr"/>
+          <a:lstStyle/>
+          <a:p>
+            <a:pPr algn="ctr"/>
+            <a:r>
+              <a:rPr lang="en-US" sz="4800" b="1" dirty="0"/>
+              <a:t>EXCEL FORM</a:t>
+            </a:r>
+          </a:p>
+          <a:p>
+            <a:pPr algn="ctr"/>
+            <a:r>
+              <a:rPr lang="en-US" sz="4800" b="1" dirty="0"/>
+              <a:t>APPLICATION</a:t>
+            </a:r>
+          </a:p>
+        </p:txBody>
+      </p:sp>
+    </p:spTree>
+    <p:extLst>
+      <p:ext uri="{BB962C8B-B14F-4D97-AF65-F5344CB8AC3E}">
+        <p14:creationId xmlns:p14="http://schemas.microsoft.com/office/powerpoint/2010/main" val="1568477485"/>
+      </p:ext>
+    </p:extLst>
+  </p:cSld>
+  <p:clrMapOvr>
+    <a:masterClrMapping/>
+  </p:clrMapOvr>
+</p:sld>
+</file>
+
+<file path=ppt/slides/slide7.xml><?xml version="1.0" encoding="utf-8"?>
 <p:sld xmlns:a="http://schemas.openxmlformats.org/drawingml/2006/main" xmlns:r="http://schemas.openxmlformats.org/officeDocument/2006/relationships" xmlns:p="http://schemas.openxmlformats.org/presentationml/2006/main">
   <p:cSld>
     <p:spTree>
@@ -10327,7 +10739,7 @@
         </p:nvCxnSpPr>
         <p:spPr>
           <a:xfrm>
-            <a:off x="4583237" y="1320944"/>
+            <a:off x="4516399" y="1322102"/>
             <a:ext cx="0" cy="369332"/>
           </a:xfrm>
           <a:prstGeom prst="straightConnector1">
@@ -10336,6 +10748,1469 @@
           <a:ln w="57150">
             <a:tailEnd type="triangle"/>
           </a:ln>
+        </p:spPr>
+        <p:style>
+          <a:lnRef idx="2">
+            <a:schemeClr val="accent1"/>
+          </a:lnRef>
+          <a:fillRef idx="0">
+            <a:schemeClr val="accent1"/>
+          </a:fillRef>
+          <a:effectRef idx="1">
+            <a:schemeClr val="accent1"/>
+          </a:effectRef>
+          <a:fontRef idx="minor">
+            <a:schemeClr val="tx1"/>
+          </a:fontRef>
+        </p:style>
+      </p:cxnSp>
+      <p:pic>
+        <p:nvPicPr>
+          <p:cNvPr id="15" name="Picture 14">
+            <a:extLst>
+              <a:ext uri="{FF2B5EF4-FFF2-40B4-BE49-F238E27FC236}">
+                <a16:creationId xmlns:a16="http://schemas.microsoft.com/office/drawing/2014/main" id="{1DB46EEF-5E15-2BB1-6158-2BBD3FCBD321}"/>
+              </a:ext>
+            </a:extLst>
+          </p:cNvPr>
+          <p:cNvPicPr>
+            <a:picLocks noChangeAspect="1"/>
+          </p:cNvPicPr>
+          <p:nvPr/>
+        </p:nvPicPr>
+        <p:blipFill>
+          <a:blip r:embed="rId2"/>
+          <a:stretch>
+            <a:fillRect/>
+          </a:stretch>
+        </p:blipFill>
+        <p:spPr>
+          <a:xfrm>
+            <a:off x="1879478" y="-792578"/>
+            <a:ext cx="1860061" cy="1021167"/>
+          </a:xfrm>
+          <a:prstGeom prst="rect">
+            <a:avLst/>
+          </a:prstGeom>
+        </p:spPr>
+      </p:pic>
+      <p:sp>
+        <p:nvSpPr>
+          <p:cNvPr id="14" name="TextBox 13">
+            <a:extLst>
+              <a:ext uri="{FF2B5EF4-FFF2-40B4-BE49-F238E27FC236}">
+                <a16:creationId xmlns:a16="http://schemas.microsoft.com/office/drawing/2014/main" id="{B17A22ED-CF73-959D-03F2-E542EC9040F4}"/>
+              </a:ext>
+            </a:extLst>
+          </p:cNvPr>
+          <p:cNvSpPr txBox="1"/>
+          <p:nvPr/>
+        </p:nvSpPr>
+        <p:spPr>
+          <a:xfrm>
+            <a:off x="6129232" y="-1852841"/>
+            <a:ext cx="8815730" cy="646331"/>
+          </a:xfrm>
+          <a:prstGeom prst="rect">
+            <a:avLst/>
+          </a:prstGeom>
+          <a:solidFill>
+            <a:srgbClr val="FFFF00"/>
+          </a:solidFill>
+        </p:spPr>
+        <p:txBody>
+          <a:bodyPr wrap="square" rtlCol="0">
+            <a:spAutoFit/>
+          </a:bodyPr>
+          <a:lstStyle/>
+          <a:p>
+            <a:r>
+              <a:rPr lang="en-US" sz="1200" u="sng" dirty="0"/>
+              <a:t>Questions:</a:t>
+            </a:r>
+          </a:p>
+          <a:p>
+            <a:r>
+              <a:rPr lang="en-US" sz="1200" dirty="0"/>
+              <a:t>+ On “</a:t>
+            </a:r>
+            <a:r>
+              <a:rPr lang="en-US" sz="1200" dirty="0" err="1"/>
+              <a:t>Programmes</a:t>
+            </a:r>
+            <a:r>
+              <a:rPr lang="en-US" sz="1200" dirty="0"/>
+              <a:t>” form, clicking the button “create a new” opens up a new form to add a new program. Good UX. Any other reason behind this separation (instead of creating a new program on the same form)?</a:t>
+            </a:r>
+          </a:p>
+        </p:txBody>
+      </p:sp>
+      <p:pic>
+        <p:nvPicPr>
+          <p:cNvPr id="16" name="Picture 15">
+            <a:extLst>
+              <a:ext uri="{FF2B5EF4-FFF2-40B4-BE49-F238E27FC236}">
+                <a16:creationId xmlns:a16="http://schemas.microsoft.com/office/drawing/2014/main" id="{994BBD31-6F3F-44C4-0E0C-B570FB0DE24E}"/>
+              </a:ext>
+            </a:extLst>
+          </p:cNvPr>
+          <p:cNvPicPr>
+            <a:picLocks noChangeAspect="1"/>
+          </p:cNvPicPr>
+          <p:nvPr/>
+        </p:nvPicPr>
+        <p:blipFill>
+          <a:blip r:embed="rId3"/>
+          <a:stretch>
+            <a:fillRect/>
+          </a:stretch>
+        </p:blipFill>
+        <p:spPr>
+          <a:xfrm>
+            <a:off x="5501874" y="555816"/>
+            <a:ext cx="1404594" cy="1102021"/>
+          </a:xfrm>
+          <a:prstGeom prst="rect">
+            <a:avLst/>
+          </a:prstGeom>
+        </p:spPr>
+      </p:pic>
+      <p:cxnSp>
+        <p:nvCxnSpPr>
+          <p:cNvPr id="17" name="Straight Connector 16">
+            <a:extLst>
+              <a:ext uri="{FF2B5EF4-FFF2-40B4-BE49-F238E27FC236}">
+                <a16:creationId xmlns:a16="http://schemas.microsoft.com/office/drawing/2014/main" id="{3D6A5DD1-3B42-7D23-4703-881F39651E7B}"/>
+              </a:ext>
+            </a:extLst>
+          </p:cNvPr>
+          <p:cNvCxnSpPr>
+            <a:cxnSpLocks/>
+          </p:cNvCxnSpPr>
+          <p:nvPr/>
+        </p:nvCxnSpPr>
+        <p:spPr>
+          <a:xfrm>
+            <a:off x="1117039" y="1743212"/>
+            <a:ext cx="8638419" cy="0"/>
+          </a:xfrm>
+          <a:prstGeom prst="line">
+            <a:avLst/>
+          </a:prstGeom>
+          <a:ln w="57150"/>
+        </p:spPr>
+        <p:style>
+          <a:lnRef idx="2">
+            <a:schemeClr val="accent1"/>
+          </a:lnRef>
+          <a:fillRef idx="0">
+            <a:schemeClr val="accent1"/>
+          </a:fillRef>
+          <a:effectRef idx="1">
+            <a:schemeClr val="accent1"/>
+          </a:effectRef>
+          <a:fontRef idx="minor">
+            <a:schemeClr val="tx1"/>
+          </a:fontRef>
+        </p:style>
+      </p:cxnSp>
+      <p:cxnSp>
+        <p:nvCxnSpPr>
+          <p:cNvPr id="18" name="Straight Arrow Connector 17">
+            <a:extLst>
+              <a:ext uri="{FF2B5EF4-FFF2-40B4-BE49-F238E27FC236}">
+                <a16:creationId xmlns:a16="http://schemas.microsoft.com/office/drawing/2014/main" id="{080BFA3E-FC3D-A2A1-C8A5-227241767F20}"/>
+              </a:ext>
+            </a:extLst>
+          </p:cNvPr>
+          <p:cNvCxnSpPr/>
+          <p:nvPr/>
+        </p:nvCxnSpPr>
+        <p:spPr>
+          <a:xfrm>
+            <a:off x="2694853" y="1698475"/>
+            <a:ext cx="0" cy="396916"/>
+          </a:xfrm>
+          <a:prstGeom prst="straightConnector1">
+            <a:avLst/>
+          </a:prstGeom>
+          <a:ln>
+            <a:tailEnd type="triangle"/>
+          </a:ln>
+        </p:spPr>
+        <p:style>
+          <a:lnRef idx="2">
+            <a:schemeClr val="accent1"/>
+          </a:lnRef>
+          <a:fillRef idx="0">
+            <a:schemeClr val="accent1"/>
+          </a:fillRef>
+          <a:effectRef idx="1">
+            <a:schemeClr val="accent1"/>
+          </a:effectRef>
+          <a:fontRef idx="minor">
+            <a:schemeClr val="tx1"/>
+          </a:fontRef>
+        </p:style>
+      </p:cxnSp>
+      <p:sp>
+        <p:nvSpPr>
+          <p:cNvPr id="19" name="Rectangle 18">
+            <a:extLst>
+              <a:ext uri="{FF2B5EF4-FFF2-40B4-BE49-F238E27FC236}">
+                <a16:creationId xmlns:a16="http://schemas.microsoft.com/office/drawing/2014/main" id="{3EDE0471-50FE-3C19-0B5A-DCE1E61A14E1}"/>
+              </a:ext>
+            </a:extLst>
+          </p:cNvPr>
+          <p:cNvSpPr/>
+          <p:nvPr/>
+        </p:nvSpPr>
+        <p:spPr>
+          <a:xfrm>
+            <a:off x="2110052" y="2089073"/>
+            <a:ext cx="1169603" cy="369332"/>
+          </a:xfrm>
+          <a:prstGeom prst="rect">
+            <a:avLst/>
+          </a:prstGeom>
+          <a:solidFill>
+            <a:schemeClr val="accent2"/>
+          </a:solidFill>
+        </p:spPr>
+        <p:style>
+          <a:lnRef idx="2">
+            <a:schemeClr val="accent1">
+              <a:shade val="15000"/>
+            </a:schemeClr>
+          </a:lnRef>
+          <a:fillRef idx="1">
+            <a:schemeClr val="accent1"/>
+          </a:fillRef>
+          <a:effectRef idx="0">
+            <a:schemeClr val="accent1"/>
+          </a:effectRef>
+          <a:fontRef idx="minor">
+            <a:schemeClr val="lt1"/>
+          </a:fontRef>
+        </p:style>
+        <p:txBody>
+          <a:bodyPr rtlCol="0" anchor="ctr"/>
+          <a:lstStyle/>
+          <a:p>
+            <a:pPr algn="ctr"/>
+            <a:r>
+              <a:rPr lang="en-US" sz="1100" dirty="0"/>
+              <a:t>Add  New</a:t>
+            </a:r>
+          </a:p>
+        </p:txBody>
+      </p:sp>
+      <p:sp>
+        <p:nvSpPr>
+          <p:cNvPr id="20" name="Rectangle 19">
+            <a:extLst>
+              <a:ext uri="{FF2B5EF4-FFF2-40B4-BE49-F238E27FC236}">
+                <a16:creationId xmlns:a16="http://schemas.microsoft.com/office/drawing/2014/main" id="{852E9ED3-9129-BBBB-B340-E5CB8DA7A998}"/>
+              </a:ext>
+            </a:extLst>
+          </p:cNvPr>
+          <p:cNvSpPr/>
+          <p:nvPr/>
+        </p:nvSpPr>
+        <p:spPr>
+          <a:xfrm>
+            <a:off x="2016816" y="2857697"/>
+            <a:ext cx="1536282" cy="514621"/>
+          </a:xfrm>
+          <a:prstGeom prst="rect">
+            <a:avLst/>
+          </a:prstGeom>
+        </p:spPr>
+        <p:style>
+          <a:lnRef idx="2">
+            <a:schemeClr val="accent1">
+              <a:shade val="15000"/>
+            </a:schemeClr>
+          </a:lnRef>
+          <a:fillRef idx="1">
+            <a:schemeClr val="accent1"/>
+          </a:fillRef>
+          <a:effectRef idx="0">
+            <a:schemeClr val="accent1"/>
+          </a:effectRef>
+          <a:fontRef idx="minor">
+            <a:schemeClr val="lt1"/>
+          </a:fontRef>
+        </p:style>
+        <p:txBody>
+          <a:bodyPr rtlCol="0" anchor="ctr"/>
+          <a:lstStyle/>
+          <a:p>
+            <a:pPr algn="ctr"/>
+            <a:r>
+              <a:rPr lang="en-US" sz="1100" b="1" dirty="0"/>
+              <a:t>Add a new program to Excel sheet</a:t>
+            </a:r>
+          </a:p>
+        </p:txBody>
+      </p:sp>
+      <p:cxnSp>
+        <p:nvCxnSpPr>
+          <p:cNvPr id="21" name="Straight Arrow Connector 20">
+            <a:extLst>
+              <a:ext uri="{FF2B5EF4-FFF2-40B4-BE49-F238E27FC236}">
+                <a16:creationId xmlns:a16="http://schemas.microsoft.com/office/drawing/2014/main" id="{2FB147C3-EA48-9A0B-E294-1D93009409BF}"/>
+              </a:ext>
+            </a:extLst>
+          </p:cNvPr>
+          <p:cNvCxnSpPr>
+            <a:stCxn id="19" idx="2"/>
+          </p:cNvCxnSpPr>
+          <p:nvPr/>
+        </p:nvCxnSpPr>
+        <p:spPr>
+          <a:xfrm flipH="1">
+            <a:off x="2694853" y="2458405"/>
+            <a:ext cx="1" cy="378458"/>
+          </a:xfrm>
+          <a:prstGeom prst="straightConnector1">
+            <a:avLst/>
+          </a:prstGeom>
+          <a:ln>
+            <a:tailEnd type="triangle"/>
+          </a:ln>
+        </p:spPr>
+        <p:style>
+          <a:lnRef idx="2">
+            <a:schemeClr val="accent1"/>
+          </a:lnRef>
+          <a:fillRef idx="0">
+            <a:schemeClr val="accent1"/>
+          </a:fillRef>
+          <a:effectRef idx="1">
+            <a:schemeClr val="accent1"/>
+          </a:effectRef>
+          <a:fontRef idx="minor">
+            <a:schemeClr val="tx1"/>
+          </a:fontRef>
+        </p:style>
+      </p:cxnSp>
+      <p:sp>
+        <p:nvSpPr>
+          <p:cNvPr id="22" name="Rectangle 21">
+            <a:extLst>
+              <a:ext uri="{FF2B5EF4-FFF2-40B4-BE49-F238E27FC236}">
+                <a16:creationId xmlns:a16="http://schemas.microsoft.com/office/drawing/2014/main" id="{E38EE884-3262-F52C-263A-F87117C3D385}"/>
+              </a:ext>
+            </a:extLst>
+          </p:cNvPr>
+          <p:cNvSpPr/>
+          <p:nvPr/>
+        </p:nvSpPr>
+        <p:spPr>
+          <a:xfrm>
+            <a:off x="532238" y="2084443"/>
+            <a:ext cx="1169603" cy="369332"/>
+          </a:xfrm>
+          <a:prstGeom prst="rect">
+            <a:avLst/>
+          </a:prstGeom>
+          <a:solidFill>
+            <a:schemeClr val="accent2"/>
+          </a:solidFill>
+        </p:spPr>
+        <p:style>
+          <a:lnRef idx="2">
+            <a:schemeClr val="accent1">
+              <a:shade val="15000"/>
+            </a:schemeClr>
+          </a:lnRef>
+          <a:fillRef idx="1">
+            <a:schemeClr val="accent1"/>
+          </a:fillRef>
+          <a:effectRef idx="0">
+            <a:schemeClr val="accent1"/>
+          </a:effectRef>
+          <a:fontRef idx="minor">
+            <a:schemeClr val="lt1"/>
+          </a:fontRef>
+        </p:style>
+        <p:txBody>
+          <a:bodyPr rtlCol="0" anchor="ctr"/>
+          <a:lstStyle/>
+          <a:p>
+            <a:pPr algn="ctr"/>
+            <a:r>
+              <a:rPr lang="en-US" sz="1100" dirty="0"/>
+              <a:t>Delete Selected</a:t>
+            </a:r>
+          </a:p>
+        </p:txBody>
+      </p:sp>
+      <p:cxnSp>
+        <p:nvCxnSpPr>
+          <p:cNvPr id="23" name="Straight Arrow Connector 22">
+            <a:extLst>
+              <a:ext uri="{FF2B5EF4-FFF2-40B4-BE49-F238E27FC236}">
+                <a16:creationId xmlns:a16="http://schemas.microsoft.com/office/drawing/2014/main" id="{66E025D3-4EE2-A2C1-98DB-AD3971C72F0D}"/>
+              </a:ext>
+            </a:extLst>
+          </p:cNvPr>
+          <p:cNvCxnSpPr/>
+          <p:nvPr/>
+        </p:nvCxnSpPr>
+        <p:spPr>
+          <a:xfrm>
+            <a:off x="1117039" y="1711590"/>
+            <a:ext cx="0" cy="396916"/>
+          </a:xfrm>
+          <a:prstGeom prst="straightConnector1">
+            <a:avLst/>
+          </a:prstGeom>
+          <a:ln>
+            <a:tailEnd type="triangle"/>
+          </a:ln>
+        </p:spPr>
+        <p:style>
+          <a:lnRef idx="2">
+            <a:schemeClr val="accent1"/>
+          </a:lnRef>
+          <a:fillRef idx="0">
+            <a:schemeClr val="accent1"/>
+          </a:fillRef>
+          <a:effectRef idx="1">
+            <a:schemeClr val="accent1"/>
+          </a:effectRef>
+          <a:fontRef idx="minor">
+            <a:schemeClr val="tx1"/>
+          </a:fontRef>
+        </p:style>
+      </p:cxnSp>
+      <p:sp>
+        <p:nvSpPr>
+          <p:cNvPr id="24" name="Rectangle 23">
+            <a:extLst>
+              <a:ext uri="{FF2B5EF4-FFF2-40B4-BE49-F238E27FC236}">
+                <a16:creationId xmlns:a16="http://schemas.microsoft.com/office/drawing/2014/main" id="{1B06AA13-A299-FE54-E11C-686AE542AFA9}"/>
+              </a:ext>
+            </a:extLst>
+          </p:cNvPr>
+          <p:cNvSpPr/>
+          <p:nvPr/>
+        </p:nvSpPr>
+        <p:spPr>
+          <a:xfrm>
+            <a:off x="156754" y="2809127"/>
+            <a:ext cx="1722723" cy="563192"/>
+          </a:xfrm>
+          <a:prstGeom prst="rect">
+            <a:avLst/>
+          </a:prstGeom>
+        </p:spPr>
+        <p:style>
+          <a:lnRef idx="2">
+            <a:schemeClr val="accent1">
+              <a:shade val="15000"/>
+            </a:schemeClr>
+          </a:lnRef>
+          <a:fillRef idx="1">
+            <a:schemeClr val="accent1"/>
+          </a:fillRef>
+          <a:effectRef idx="0">
+            <a:schemeClr val="accent1"/>
+          </a:effectRef>
+          <a:fontRef idx="minor">
+            <a:schemeClr val="lt1"/>
+          </a:fontRef>
+        </p:style>
+        <p:txBody>
+          <a:bodyPr rtlCol="0" anchor="ctr"/>
+          <a:lstStyle/>
+          <a:p>
+            <a:pPr algn="ctr"/>
+            <a:r>
+              <a:rPr lang="en-US" sz="1100" b="1" dirty="0"/>
+              <a:t>Delete the selected program &amp; remove it from Excel sheet</a:t>
+            </a:r>
+          </a:p>
+        </p:txBody>
+      </p:sp>
+      <p:cxnSp>
+        <p:nvCxnSpPr>
+          <p:cNvPr id="25" name="Straight Arrow Connector 24">
+            <a:extLst>
+              <a:ext uri="{FF2B5EF4-FFF2-40B4-BE49-F238E27FC236}">
+                <a16:creationId xmlns:a16="http://schemas.microsoft.com/office/drawing/2014/main" id="{5852B00F-4D1B-9DF2-DA1C-B9893DCDFC49}"/>
+              </a:ext>
+            </a:extLst>
+          </p:cNvPr>
+          <p:cNvCxnSpPr/>
+          <p:nvPr/>
+        </p:nvCxnSpPr>
+        <p:spPr>
+          <a:xfrm flipH="1">
+            <a:off x="1128796" y="2430669"/>
+            <a:ext cx="1" cy="378458"/>
+          </a:xfrm>
+          <a:prstGeom prst="straightConnector1">
+            <a:avLst/>
+          </a:prstGeom>
+          <a:ln>
+            <a:tailEnd type="triangle"/>
+          </a:ln>
+        </p:spPr>
+        <p:style>
+          <a:lnRef idx="2">
+            <a:schemeClr val="accent1"/>
+          </a:lnRef>
+          <a:fillRef idx="0">
+            <a:schemeClr val="accent1"/>
+          </a:fillRef>
+          <a:effectRef idx="1">
+            <a:schemeClr val="accent1"/>
+          </a:effectRef>
+          <a:fontRef idx="minor">
+            <a:schemeClr val="tx1"/>
+          </a:fontRef>
+        </p:style>
+      </p:cxnSp>
+      <p:sp>
+        <p:nvSpPr>
+          <p:cNvPr id="26" name="TextBox 25">
+            <a:extLst>
+              <a:ext uri="{FF2B5EF4-FFF2-40B4-BE49-F238E27FC236}">
+                <a16:creationId xmlns:a16="http://schemas.microsoft.com/office/drawing/2014/main" id="{54E6F778-8D41-87E1-33C4-D2A095DB4FC1}"/>
+              </a:ext>
+            </a:extLst>
+          </p:cNvPr>
+          <p:cNvSpPr txBox="1"/>
+          <p:nvPr/>
+        </p:nvSpPr>
+        <p:spPr>
+          <a:xfrm>
+            <a:off x="-274320" y="2393090"/>
+            <a:ext cx="958276" cy="369332"/>
+          </a:xfrm>
+          <a:prstGeom prst="rect">
+            <a:avLst/>
+          </a:prstGeom>
+          <a:noFill/>
+        </p:spPr>
+        <p:txBody>
+          <a:bodyPr wrap="none" rtlCol="0">
+            <a:spAutoFit/>
+          </a:bodyPr>
+          <a:lstStyle/>
+          <a:p>
+            <a:r>
+              <a:rPr lang="en-US" dirty="0"/>
+              <a:t>working</a:t>
+            </a:r>
+          </a:p>
+        </p:txBody>
+      </p:sp>
+      <p:sp>
+        <p:nvSpPr>
+          <p:cNvPr id="27" name="TextBox 26">
+            <a:extLst>
+              <a:ext uri="{FF2B5EF4-FFF2-40B4-BE49-F238E27FC236}">
+                <a16:creationId xmlns:a16="http://schemas.microsoft.com/office/drawing/2014/main" id="{F5061D17-DCAB-0CE0-9E5A-CFF402934341}"/>
+              </a:ext>
+            </a:extLst>
+          </p:cNvPr>
+          <p:cNvSpPr txBox="1"/>
+          <p:nvPr/>
+        </p:nvSpPr>
+        <p:spPr>
+          <a:xfrm>
+            <a:off x="2694853" y="2467531"/>
+            <a:ext cx="958276" cy="369332"/>
+          </a:xfrm>
+          <a:prstGeom prst="rect">
+            <a:avLst/>
+          </a:prstGeom>
+          <a:noFill/>
+        </p:spPr>
+        <p:txBody>
+          <a:bodyPr wrap="none" rtlCol="0">
+            <a:spAutoFit/>
+          </a:bodyPr>
+          <a:lstStyle/>
+          <a:p>
+            <a:r>
+              <a:rPr lang="en-US" dirty="0"/>
+              <a:t>working</a:t>
+            </a:r>
+          </a:p>
+        </p:txBody>
+      </p:sp>
+      <p:cxnSp>
+        <p:nvCxnSpPr>
+          <p:cNvPr id="28" name="Straight Arrow Connector 27">
+            <a:extLst>
+              <a:ext uri="{FF2B5EF4-FFF2-40B4-BE49-F238E27FC236}">
+                <a16:creationId xmlns:a16="http://schemas.microsoft.com/office/drawing/2014/main" id="{E12ADB1A-A429-4BA4-BAB3-4D07A5613E17}"/>
+              </a:ext>
+            </a:extLst>
+          </p:cNvPr>
+          <p:cNvCxnSpPr/>
+          <p:nvPr/>
+        </p:nvCxnSpPr>
+        <p:spPr>
+          <a:xfrm>
+            <a:off x="4449257" y="1698475"/>
+            <a:ext cx="0" cy="396916"/>
+          </a:xfrm>
+          <a:prstGeom prst="straightConnector1">
+            <a:avLst/>
+          </a:prstGeom>
+          <a:ln>
+            <a:tailEnd type="triangle"/>
+          </a:ln>
+        </p:spPr>
+        <p:style>
+          <a:lnRef idx="2">
+            <a:schemeClr val="accent1"/>
+          </a:lnRef>
+          <a:fillRef idx="0">
+            <a:schemeClr val="accent1"/>
+          </a:fillRef>
+          <a:effectRef idx="1">
+            <a:schemeClr val="accent1"/>
+          </a:effectRef>
+          <a:fontRef idx="minor">
+            <a:schemeClr val="tx1"/>
+          </a:fontRef>
+        </p:style>
+      </p:cxnSp>
+      <p:sp>
+        <p:nvSpPr>
+          <p:cNvPr id="29" name="Rectangle 28">
+            <a:extLst>
+              <a:ext uri="{FF2B5EF4-FFF2-40B4-BE49-F238E27FC236}">
+                <a16:creationId xmlns:a16="http://schemas.microsoft.com/office/drawing/2014/main" id="{CE56D037-DDAE-02A5-A5CB-3EC91B0D2579}"/>
+              </a:ext>
+            </a:extLst>
+          </p:cNvPr>
+          <p:cNvSpPr/>
+          <p:nvPr/>
+        </p:nvSpPr>
+        <p:spPr>
+          <a:xfrm>
+            <a:off x="3864456" y="2089073"/>
+            <a:ext cx="1169603" cy="369332"/>
+          </a:xfrm>
+          <a:prstGeom prst="rect">
+            <a:avLst/>
+          </a:prstGeom>
+          <a:solidFill>
+            <a:schemeClr val="accent2"/>
+          </a:solidFill>
+        </p:spPr>
+        <p:style>
+          <a:lnRef idx="2">
+            <a:schemeClr val="accent1">
+              <a:shade val="15000"/>
+            </a:schemeClr>
+          </a:lnRef>
+          <a:fillRef idx="1">
+            <a:schemeClr val="accent1"/>
+          </a:fillRef>
+          <a:effectRef idx="0">
+            <a:schemeClr val="accent1"/>
+          </a:effectRef>
+          <a:fontRef idx="minor">
+            <a:schemeClr val="lt1"/>
+          </a:fontRef>
+        </p:style>
+        <p:txBody>
+          <a:bodyPr rtlCol="0" anchor="ctr"/>
+          <a:lstStyle/>
+          <a:p>
+            <a:pPr algn="ctr"/>
+            <a:r>
+              <a:rPr lang="en-US" sz="1100" dirty="0"/>
+              <a:t>Duplicate and Change</a:t>
+            </a:r>
+          </a:p>
+        </p:txBody>
+      </p:sp>
+      <p:sp>
+        <p:nvSpPr>
+          <p:cNvPr id="30" name="Rectangle 29">
+            <a:extLst>
+              <a:ext uri="{FF2B5EF4-FFF2-40B4-BE49-F238E27FC236}">
+                <a16:creationId xmlns:a16="http://schemas.microsoft.com/office/drawing/2014/main" id="{155B8242-8323-B489-0DB0-D62E5BC810EF}"/>
+              </a:ext>
+            </a:extLst>
+          </p:cNvPr>
+          <p:cNvSpPr/>
+          <p:nvPr/>
+        </p:nvSpPr>
+        <p:spPr>
+          <a:xfrm>
+            <a:off x="3771220" y="2857697"/>
+            <a:ext cx="1536282" cy="514621"/>
+          </a:xfrm>
+          <a:prstGeom prst="rect">
+            <a:avLst/>
+          </a:prstGeom>
+        </p:spPr>
+        <p:style>
+          <a:lnRef idx="2">
+            <a:schemeClr val="accent1">
+              <a:shade val="15000"/>
+            </a:schemeClr>
+          </a:lnRef>
+          <a:fillRef idx="1">
+            <a:schemeClr val="accent1"/>
+          </a:fillRef>
+          <a:effectRef idx="0">
+            <a:schemeClr val="accent1"/>
+          </a:effectRef>
+          <a:fontRef idx="minor">
+            <a:schemeClr val="lt1"/>
+          </a:fontRef>
+        </p:style>
+        <p:txBody>
+          <a:bodyPr rtlCol="0" anchor="ctr"/>
+          <a:lstStyle/>
+          <a:p>
+            <a:pPr algn="ctr"/>
+            <a:r>
+              <a:rPr lang="en-US" sz="1100" b="1" dirty="0"/>
+              <a:t>Add </a:t>
+            </a:r>
+            <a:r>
+              <a:rPr lang="en-US" sz="1100" b="1" dirty="0" err="1"/>
+              <a:t>aNnw</a:t>
+            </a:r>
+            <a:r>
+              <a:rPr lang="en-US" sz="1100" b="1" dirty="0"/>
+              <a:t> program with populated data</a:t>
+            </a:r>
+          </a:p>
+        </p:txBody>
+      </p:sp>
+      <p:cxnSp>
+        <p:nvCxnSpPr>
+          <p:cNvPr id="31" name="Straight Arrow Connector 30">
+            <a:extLst>
+              <a:ext uri="{FF2B5EF4-FFF2-40B4-BE49-F238E27FC236}">
+                <a16:creationId xmlns:a16="http://schemas.microsoft.com/office/drawing/2014/main" id="{7A328110-7CAE-5211-3BB6-794416C3A44A}"/>
+              </a:ext>
+            </a:extLst>
+          </p:cNvPr>
+          <p:cNvCxnSpPr>
+            <a:stCxn id="29" idx="2"/>
+          </p:cNvCxnSpPr>
+          <p:nvPr/>
+        </p:nvCxnSpPr>
+        <p:spPr>
+          <a:xfrm flipH="1">
+            <a:off x="4449257" y="2458405"/>
+            <a:ext cx="1" cy="378458"/>
+          </a:xfrm>
+          <a:prstGeom prst="straightConnector1">
+            <a:avLst/>
+          </a:prstGeom>
+          <a:ln>
+            <a:tailEnd type="triangle"/>
+          </a:ln>
+        </p:spPr>
+        <p:style>
+          <a:lnRef idx="2">
+            <a:schemeClr val="accent1"/>
+          </a:lnRef>
+          <a:fillRef idx="0">
+            <a:schemeClr val="accent1"/>
+          </a:fillRef>
+          <a:effectRef idx="1">
+            <a:schemeClr val="accent1"/>
+          </a:effectRef>
+          <a:fontRef idx="minor">
+            <a:schemeClr val="tx1"/>
+          </a:fontRef>
+        </p:style>
+      </p:cxnSp>
+      <p:sp>
+        <p:nvSpPr>
+          <p:cNvPr id="32" name="TextBox 31">
+            <a:extLst>
+              <a:ext uri="{FF2B5EF4-FFF2-40B4-BE49-F238E27FC236}">
+                <a16:creationId xmlns:a16="http://schemas.microsoft.com/office/drawing/2014/main" id="{49B4D40F-1CF7-5800-2FF4-8956E154F2A2}"/>
+              </a:ext>
+            </a:extLst>
+          </p:cNvPr>
+          <p:cNvSpPr txBox="1"/>
+          <p:nvPr/>
+        </p:nvSpPr>
+        <p:spPr>
+          <a:xfrm>
+            <a:off x="4449257" y="2467531"/>
+            <a:ext cx="958276" cy="369332"/>
+          </a:xfrm>
+          <a:prstGeom prst="rect">
+            <a:avLst/>
+          </a:prstGeom>
+          <a:noFill/>
+        </p:spPr>
+        <p:txBody>
+          <a:bodyPr wrap="none" rtlCol="0">
+            <a:spAutoFit/>
+          </a:bodyPr>
+          <a:lstStyle/>
+          <a:p>
+            <a:r>
+              <a:rPr lang="en-US" dirty="0"/>
+              <a:t>working</a:t>
+            </a:r>
+          </a:p>
+        </p:txBody>
+      </p:sp>
+      <p:cxnSp>
+        <p:nvCxnSpPr>
+          <p:cNvPr id="37" name="Straight Arrow Connector 36">
+            <a:extLst>
+              <a:ext uri="{FF2B5EF4-FFF2-40B4-BE49-F238E27FC236}">
+                <a16:creationId xmlns:a16="http://schemas.microsoft.com/office/drawing/2014/main" id="{3ADCDC04-BB2C-ADB3-3356-EF6909EDF8A5}"/>
+              </a:ext>
+            </a:extLst>
+          </p:cNvPr>
+          <p:cNvCxnSpPr/>
+          <p:nvPr/>
+        </p:nvCxnSpPr>
+        <p:spPr>
+          <a:xfrm>
+            <a:off x="6203661" y="1719309"/>
+            <a:ext cx="0" cy="396916"/>
+          </a:xfrm>
+          <a:prstGeom prst="straightConnector1">
+            <a:avLst/>
+          </a:prstGeom>
+          <a:ln>
+            <a:tailEnd type="triangle"/>
+          </a:ln>
+        </p:spPr>
+        <p:style>
+          <a:lnRef idx="2">
+            <a:schemeClr val="accent1"/>
+          </a:lnRef>
+          <a:fillRef idx="0">
+            <a:schemeClr val="accent1"/>
+          </a:fillRef>
+          <a:effectRef idx="1">
+            <a:schemeClr val="accent1"/>
+          </a:effectRef>
+          <a:fontRef idx="minor">
+            <a:schemeClr val="tx1"/>
+          </a:fontRef>
+        </p:style>
+      </p:cxnSp>
+      <p:sp>
+        <p:nvSpPr>
+          <p:cNvPr id="38" name="Rectangle 37">
+            <a:extLst>
+              <a:ext uri="{FF2B5EF4-FFF2-40B4-BE49-F238E27FC236}">
+                <a16:creationId xmlns:a16="http://schemas.microsoft.com/office/drawing/2014/main" id="{9014FB4F-FC58-D5D9-668D-B366B7A1AC65}"/>
+              </a:ext>
+            </a:extLst>
+          </p:cNvPr>
+          <p:cNvSpPr/>
+          <p:nvPr/>
+        </p:nvSpPr>
+        <p:spPr>
+          <a:xfrm>
+            <a:off x="5618860" y="2109907"/>
+            <a:ext cx="1169603" cy="369332"/>
+          </a:xfrm>
+          <a:prstGeom prst="rect">
+            <a:avLst/>
+          </a:prstGeom>
+          <a:solidFill>
+            <a:schemeClr val="accent2"/>
+          </a:solidFill>
+        </p:spPr>
+        <p:style>
+          <a:lnRef idx="2">
+            <a:schemeClr val="accent1">
+              <a:shade val="15000"/>
+            </a:schemeClr>
+          </a:lnRef>
+          <a:fillRef idx="1">
+            <a:schemeClr val="accent1"/>
+          </a:fillRef>
+          <a:effectRef idx="0">
+            <a:schemeClr val="accent1"/>
+          </a:effectRef>
+          <a:fontRef idx="minor">
+            <a:schemeClr val="lt1"/>
+          </a:fontRef>
+        </p:style>
+        <p:txBody>
+          <a:bodyPr rtlCol="0" anchor="ctr"/>
+          <a:lstStyle/>
+          <a:p>
+            <a:pPr algn="ctr"/>
+            <a:r>
+              <a:rPr lang="en-US" sz="1100" dirty="0"/>
+              <a:t>Edit Selected</a:t>
+            </a:r>
+          </a:p>
+        </p:txBody>
+      </p:sp>
+      <p:sp>
+        <p:nvSpPr>
+          <p:cNvPr id="39" name="Rectangle 38">
+            <a:extLst>
+              <a:ext uri="{FF2B5EF4-FFF2-40B4-BE49-F238E27FC236}">
+                <a16:creationId xmlns:a16="http://schemas.microsoft.com/office/drawing/2014/main" id="{D1003A9C-4F22-2A89-C700-3B127143B043}"/>
+              </a:ext>
+            </a:extLst>
+          </p:cNvPr>
+          <p:cNvSpPr/>
+          <p:nvPr/>
+        </p:nvSpPr>
+        <p:spPr>
+          <a:xfrm>
+            <a:off x="5525624" y="2878531"/>
+            <a:ext cx="1536282" cy="514621"/>
+          </a:xfrm>
+          <a:prstGeom prst="rect">
+            <a:avLst/>
+          </a:prstGeom>
+          <a:ln>
+            <a:solidFill>
+              <a:srgbClr val="FF0000"/>
+            </a:solidFill>
+          </a:ln>
+        </p:spPr>
+        <p:style>
+          <a:lnRef idx="2">
+            <a:schemeClr val="accent1">
+              <a:shade val="15000"/>
+            </a:schemeClr>
+          </a:lnRef>
+          <a:fillRef idx="1">
+            <a:schemeClr val="accent1"/>
+          </a:fillRef>
+          <a:effectRef idx="0">
+            <a:schemeClr val="accent1"/>
+          </a:effectRef>
+          <a:fontRef idx="minor">
+            <a:schemeClr val="lt1"/>
+          </a:fontRef>
+        </p:style>
+        <p:txBody>
+          <a:bodyPr rtlCol="0" anchor="ctr"/>
+          <a:lstStyle/>
+          <a:p>
+            <a:pPr algn="ctr"/>
+            <a:r>
+              <a:rPr lang="en-US" sz="1100" b="1" dirty="0">
+                <a:solidFill>
+                  <a:srgbClr val="FF0000"/>
+                </a:solidFill>
+              </a:rPr>
+              <a:t>Update existing program in Excel sheet</a:t>
+            </a:r>
+          </a:p>
+        </p:txBody>
+      </p:sp>
+      <p:cxnSp>
+        <p:nvCxnSpPr>
+          <p:cNvPr id="40" name="Straight Arrow Connector 39">
+            <a:extLst>
+              <a:ext uri="{FF2B5EF4-FFF2-40B4-BE49-F238E27FC236}">
+                <a16:creationId xmlns:a16="http://schemas.microsoft.com/office/drawing/2014/main" id="{2384A9FC-96AD-B483-F881-67A68CC0E2D1}"/>
+              </a:ext>
+            </a:extLst>
+          </p:cNvPr>
+          <p:cNvCxnSpPr>
+            <a:stCxn id="38" idx="2"/>
+          </p:cNvCxnSpPr>
+          <p:nvPr/>
+        </p:nvCxnSpPr>
+        <p:spPr>
+          <a:xfrm flipH="1">
+            <a:off x="6203661" y="2479239"/>
+            <a:ext cx="1" cy="378458"/>
+          </a:xfrm>
+          <a:prstGeom prst="straightConnector1">
+            <a:avLst/>
+          </a:prstGeom>
+          <a:ln>
+            <a:tailEnd type="triangle"/>
+          </a:ln>
+        </p:spPr>
+        <p:style>
+          <a:lnRef idx="2">
+            <a:schemeClr val="accent1"/>
+          </a:lnRef>
+          <a:fillRef idx="0">
+            <a:schemeClr val="accent1"/>
+          </a:fillRef>
+          <a:effectRef idx="1">
+            <a:schemeClr val="accent1"/>
+          </a:effectRef>
+          <a:fontRef idx="minor">
+            <a:schemeClr val="tx1"/>
+          </a:fontRef>
+        </p:style>
+      </p:cxnSp>
+      <p:sp>
+        <p:nvSpPr>
+          <p:cNvPr id="41" name="TextBox 40">
+            <a:extLst>
+              <a:ext uri="{FF2B5EF4-FFF2-40B4-BE49-F238E27FC236}">
+                <a16:creationId xmlns:a16="http://schemas.microsoft.com/office/drawing/2014/main" id="{97DE74D2-C58D-FEBF-F6CB-D5186DE886CF}"/>
+              </a:ext>
+            </a:extLst>
+          </p:cNvPr>
+          <p:cNvSpPr txBox="1"/>
+          <p:nvPr/>
+        </p:nvSpPr>
+        <p:spPr>
+          <a:xfrm>
+            <a:off x="6164046" y="2488365"/>
+            <a:ext cx="1440907" cy="369332"/>
+          </a:xfrm>
+          <a:prstGeom prst="rect">
+            <a:avLst/>
+          </a:prstGeom>
+          <a:noFill/>
+        </p:spPr>
+        <p:txBody>
+          <a:bodyPr wrap="none" rtlCol="0">
+            <a:spAutoFit/>
+          </a:bodyPr>
+          <a:lstStyle/>
+          <a:p>
+            <a:r>
+              <a:rPr lang="en-US" dirty="0">
+                <a:solidFill>
+                  <a:srgbClr val="FF0000"/>
+                </a:solidFill>
+              </a:rPr>
+              <a:t>NOT working</a:t>
+            </a:r>
+          </a:p>
+        </p:txBody>
+      </p:sp>
+      <p:cxnSp>
+        <p:nvCxnSpPr>
+          <p:cNvPr id="42" name="Straight Arrow Connector 41">
+            <a:extLst>
+              <a:ext uri="{FF2B5EF4-FFF2-40B4-BE49-F238E27FC236}">
+                <a16:creationId xmlns:a16="http://schemas.microsoft.com/office/drawing/2014/main" id="{5FD743BB-0AE6-0664-5F72-7FBEDE130C56}"/>
+              </a:ext>
+            </a:extLst>
+          </p:cNvPr>
+          <p:cNvCxnSpPr/>
+          <p:nvPr/>
+        </p:nvCxnSpPr>
+        <p:spPr>
+          <a:xfrm>
+            <a:off x="8095404" y="1725627"/>
+            <a:ext cx="0" cy="396916"/>
+          </a:xfrm>
+          <a:prstGeom prst="straightConnector1">
+            <a:avLst/>
+          </a:prstGeom>
+          <a:ln>
+            <a:tailEnd type="triangle"/>
+          </a:ln>
+        </p:spPr>
+        <p:style>
+          <a:lnRef idx="2">
+            <a:schemeClr val="accent1"/>
+          </a:lnRef>
+          <a:fillRef idx="0">
+            <a:schemeClr val="accent1"/>
+          </a:fillRef>
+          <a:effectRef idx="1">
+            <a:schemeClr val="accent1"/>
+          </a:effectRef>
+          <a:fontRef idx="minor">
+            <a:schemeClr val="tx1"/>
+          </a:fontRef>
+        </p:style>
+      </p:cxnSp>
+      <p:sp>
+        <p:nvSpPr>
+          <p:cNvPr id="43" name="Rectangle 42">
+            <a:extLst>
+              <a:ext uri="{FF2B5EF4-FFF2-40B4-BE49-F238E27FC236}">
+                <a16:creationId xmlns:a16="http://schemas.microsoft.com/office/drawing/2014/main" id="{19998A30-7D2A-4863-21D7-8ACA975EF32C}"/>
+              </a:ext>
+            </a:extLst>
+          </p:cNvPr>
+          <p:cNvSpPr/>
+          <p:nvPr/>
+        </p:nvSpPr>
+        <p:spPr>
+          <a:xfrm>
+            <a:off x="7510603" y="2116225"/>
+            <a:ext cx="1169603" cy="369332"/>
+          </a:xfrm>
+          <a:prstGeom prst="rect">
+            <a:avLst/>
+          </a:prstGeom>
+          <a:solidFill>
+            <a:schemeClr val="accent2"/>
+          </a:solidFill>
+        </p:spPr>
+        <p:style>
+          <a:lnRef idx="2">
+            <a:schemeClr val="accent1">
+              <a:shade val="15000"/>
+            </a:schemeClr>
+          </a:lnRef>
+          <a:fillRef idx="1">
+            <a:schemeClr val="accent1"/>
+          </a:fillRef>
+          <a:effectRef idx="0">
+            <a:schemeClr val="accent1"/>
+          </a:effectRef>
+          <a:fontRef idx="minor">
+            <a:schemeClr val="lt1"/>
+          </a:fontRef>
+        </p:style>
+        <p:txBody>
+          <a:bodyPr rtlCol="0" anchor="ctr"/>
+          <a:lstStyle/>
+          <a:p>
+            <a:pPr algn="ctr"/>
+            <a:r>
+              <a:rPr lang="en-US" sz="1100" dirty="0"/>
+              <a:t>Courses for Selected</a:t>
+            </a:r>
+          </a:p>
+        </p:txBody>
+      </p:sp>
+      <p:sp>
+        <p:nvSpPr>
+          <p:cNvPr id="44" name="Rectangle 43">
+            <a:extLst>
+              <a:ext uri="{FF2B5EF4-FFF2-40B4-BE49-F238E27FC236}">
+                <a16:creationId xmlns:a16="http://schemas.microsoft.com/office/drawing/2014/main" id="{21459063-EFB4-AF8D-411E-A71D97A9EDE8}"/>
+              </a:ext>
+            </a:extLst>
+          </p:cNvPr>
+          <p:cNvSpPr/>
+          <p:nvPr/>
+        </p:nvSpPr>
+        <p:spPr>
+          <a:xfrm>
+            <a:off x="7417367" y="2884849"/>
+            <a:ext cx="1536282" cy="514621"/>
+          </a:xfrm>
+          <a:prstGeom prst="rect">
+            <a:avLst/>
+          </a:prstGeom>
+        </p:spPr>
+        <p:style>
+          <a:lnRef idx="2">
+            <a:schemeClr val="accent1">
+              <a:shade val="15000"/>
+            </a:schemeClr>
+          </a:lnRef>
+          <a:fillRef idx="1">
+            <a:schemeClr val="accent1"/>
+          </a:fillRef>
+          <a:effectRef idx="0">
+            <a:schemeClr val="accent1"/>
+          </a:effectRef>
+          <a:fontRef idx="minor">
+            <a:schemeClr val="lt1"/>
+          </a:fontRef>
+        </p:style>
+        <p:txBody>
+          <a:bodyPr rtlCol="0" anchor="ctr"/>
+          <a:lstStyle/>
+          <a:p>
+            <a:pPr algn="ctr"/>
+            <a:r>
+              <a:rPr lang="en-US" sz="1100" b="1" dirty="0"/>
+              <a:t>Update existing program in Excel sheet</a:t>
+            </a:r>
+          </a:p>
+        </p:txBody>
+      </p:sp>
+      <p:cxnSp>
+        <p:nvCxnSpPr>
+          <p:cNvPr id="45" name="Straight Arrow Connector 44">
+            <a:extLst>
+              <a:ext uri="{FF2B5EF4-FFF2-40B4-BE49-F238E27FC236}">
+                <a16:creationId xmlns:a16="http://schemas.microsoft.com/office/drawing/2014/main" id="{7AF6B208-4BAC-4B72-4B93-1DB21746AACA}"/>
+              </a:ext>
+            </a:extLst>
+          </p:cNvPr>
+          <p:cNvCxnSpPr>
+            <a:stCxn id="43" idx="2"/>
+          </p:cNvCxnSpPr>
+          <p:nvPr/>
+        </p:nvCxnSpPr>
+        <p:spPr>
+          <a:xfrm flipH="1">
+            <a:off x="8095404" y="2485557"/>
+            <a:ext cx="1" cy="378458"/>
+          </a:xfrm>
+          <a:prstGeom prst="straightConnector1">
+            <a:avLst/>
+          </a:prstGeom>
+          <a:ln>
+            <a:tailEnd type="triangle"/>
+          </a:ln>
+        </p:spPr>
+        <p:style>
+          <a:lnRef idx="2">
+            <a:schemeClr val="accent1"/>
+          </a:lnRef>
+          <a:fillRef idx="0">
+            <a:schemeClr val="accent1"/>
+          </a:fillRef>
+          <a:effectRef idx="1">
+            <a:schemeClr val="accent1"/>
+          </a:effectRef>
+          <a:fontRef idx="minor">
+            <a:schemeClr val="tx1"/>
+          </a:fontRef>
+        </p:style>
+      </p:cxnSp>
+      <p:cxnSp>
+        <p:nvCxnSpPr>
+          <p:cNvPr id="47" name="Straight Arrow Connector 46">
+            <a:extLst>
+              <a:ext uri="{FF2B5EF4-FFF2-40B4-BE49-F238E27FC236}">
+                <a16:creationId xmlns:a16="http://schemas.microsoft.com/office/drawing/2014/main" id="{990A930D-E145-911E-0363-E2F09FFB6B15}"/>
+              </a:ext>
+            </a:extLst>
+          </p:cNvPr>
+          <p:cNvCxnSpPr/>
+          <p:nvPr/>
+        </p:nvCxnSpPr>
+        <p:spPr>
+          <a:xfrm>
+            <a:off x="9755458" y="1731945"/>
+            <a:ext cx="0" cy="396916"/>
+          </a:xfrm>
+          <a:prstGeom prst="straightConnector1">
+            <a:avLst/>
+          </a:prstGeom>
+          <a:ln>
+            <a:tailEnd type="triangle"/>
+          </a:ln>
+        </p:spPr>
+        <p:style>
+          <a:lnRef idx="2">
+            <a:schemeClr val="accent1"/>
+          </a:lnRef>
+          <a:fillRef idx="0">
+            <a:schemeClr val="accent1"/>
+          </a:fillRef>
+          <a:effectRef idx="1">
+            <a:schemeClr val="accent1"/>
+          </a:effectRef>
+          <a:fontRef idx="minor">
+            <a:schemeClr val="tx1"/>
+          </a:fontRef>
+        </p:style>
+      </p:cxnSp>
+      <p:sp>
+        <p:nvSpPr>
+          <p:cNvPr id="48" name="Rectangle 47">
+            <a:extLst>
+              <a:ext uri="{FF2B5EF4-FFF2-40B4-BE49-F238E27FC236}">
+                <a16:creationId xmlns:a16="http://schemas.microsoft.com/office/drawing/2014/main" id="{52421EE9-31ED-E782-26FE-B7831A972CAD}"/>
+              </a:ext>
+            </a:extLst>
+          </p:cNvPr>
+          <p:cNvSpPr/>
+          <p:nvPr/>
+        </p:nvSpPr>
+        <p:spPr>
+          <a:xfrm>
+            <a:off x="9170657" y="2122543"/>
+            <a:ext cx="1169603" cy="369332"/>
+          </a:xfrm>
+          <a:prstGeom prst="rect">
+            <a:avLst/>
+          </a:prstGeom>
+          <a:solidFill>
+            <a:schemeClr val="accent2"/>
+          </a:solidFill>
+        </p:spPr>
+        <p:style>
+          <a:lnRef idx="2">
+            <a:schemeClr val="accent1">
+              <a:shade val="15000"/>
+            </a:schemeClr>
+          </a:lnRef>
+          <a:fillRef idx="1">
+            <a:schemeClr val="accent1"/>
+          </a:fillRef>
+          <a:effectRef idx="0">
+            <a:schemeClr val="accent1"/>
+          </a:effectRef>
+          <a:fontRef idx="minor">
+            <a:schemeClr val="lt1"/>
+          </a:fontRef>
+        </p:style>
+        <p:txBody>
+          <a:bodyPr rtlCol="0" anchor="ctr"/>
+          <a:lstStyle/>
+          <a:p>
+            <a:pPr algn="ctr"/>
+            <a:r>
+              <a:rPr lang="en-US" sz="1100" dirty="0"/>
+              <a:t>Back to Menu</a:t>
+            </a:r>
+          </a:p>
+        </p:txBody>
+      </p:sp>
+      <p:sp>
+        <p:nvSpPr>
+          <p:cNvPr id="51" name="TextBox 50">
+            <a:extLst>
+              <a:ext uri="{FF2B5EF4-FFF2-40B4-BE49-F238E27FC236}">
+                <a16:creationId xmlns:a16="http://schemas.microsoft.com/office/drawing/2014/main" id="{56ECF555-95DC-0EAF-9072-A99DB18A270C}"/>
+              </a:ext>
+            </a:extLst>
+          </p:cNvPr>
+          <p:cNvSpPr txBox="1"/>
+          <p:nvPr/>
+        </p:nvSpPr>
+        <p:spPr>
+          <a:xfrm>
+            <a:off x="9810644" y="2647634"/>
+            <a:ext cx="1440907" cy="369332"/>
+          </a:xfrm>
+          <a:prstGeom prst="rect">
+            <a:avLst/>
+          </a:prstGeom>
+          <a:noFill/>
+        </p:spPr>
+        <p:txBody>
+          <a:bodyPr wrap="none" rtlCol="0">
+            <a:spAutoFit/>
+          </a:bodyPr>
+          <a:lstStyle/>
+          <a:p>
+            <a:r>
+              <a:rPr lang="en-US" dirty="0">
+                <a:solidFill>
+                  <a:srgbClr val="FF0000"/>
+                </a:solidFill>
+              </a:rPr>
+              <a:t>NOT working</a:t>
+            </a:r>
+          </a:p>
+        </p:txBody>
+      </p:sp>
+      <p:cxnSp>
+        <p:nvCxnSpPr>
+          <p:cNvPr id="53" name="Straight Connector 52">
+            <a:extLst>
+              <a:ext uri="{FF2B5EF4-FFF2-40B4-BE49-F238E27FC236}">
+                <a16:creationId xmlns:a16="http://schemas.microsoft.com/office/drawing/2014/main" id="{070DAF98-2F96-8564-0837-E097CFD79D2E}"/>
+              </a:ext>
+            </a:extLst>
+          </p:cNvPr>
+          <p:cNvCxnSpPr>
+            <a:cxnSpLocks/>
+          </p:cNvCxnSpPr>
+          <p:nvPr/>
+        </p:nvCxnSpPr>
+        <p:spPr>
+          <a:xfrm flipH="1" flipV="1">
+            <a:off x="10625475" y="-367514"/>
+            <a:ext cx="1" cy="2674724"/>
+          </a:xfrm>
+          <a:prstGeom prst="line">
+            <a:avLst/>
+          </a:prstGeom>
+        </p:spPr>
+        <p:style>
+          <a:lnRef idx="2">
+            <a:schemeClr val="accent1"/>
+          </a:lnRef>
+          <a:fillRef idx="0">
+            <a:schemeClr val="accent1"/>
+          </a:fillRef>
+          <a:effectRef idx="1">
+            <a:schemeClr val="accent1"/>
+          </a:effectRef>
+          <a:fontRef idx="minor">
+            <a:schemeClr val="tx1"/>
+          </a:fontRef>
+        </p:style>
+      </p:cxnSp>
+      <p:cxnSp>
+        <p:nvCxnSpPr>
+          <p:cNvPr id="54" name="Straight Connector 53">
+            <a:extLst>
+              <a:ext uri="{FF2B5EF4-FFF2-40B4-BE49-F238E27FC236}">
+                <a16:creationId xmlns:a16="http://schemas.microsoft.com/office/drawing/2014/main" id="{1FB634F5-72BF-0166-7762-58D8EA88D809}"/>
+              </a:ext>
+            </a:extLst>
+          </p:cNvPr>
+          <p:cNvCxnSpPr>
+            <a:cxnSpLocks/>
+            <a:stCxn id="7" idx="3"/>
+          </p:cNvCxnSpPr>
+          <p:nvPr/>
+        </p:nvCxnSpPr>
+        <p:spPr>
+          <a:xfrm>
+            <a:off x="5285534" y="-367514"/>
+            <a:ext cx="5339941" cy="1"/>
+          </a:xfrm>
+          <a:prstGeom prst="line">
+            <a:avLst/>
+          </a:prstGeom>
+          <a:ln>
+            <a:headEnd type="arrow" w="med" len="med"/>
+            <a:tailEnd type="none" w="med" len="med"/>
+          </a:ln>
+        </p:spPr>
+        <p:style>
+          <a:lnRef idx="2">
+            <a:schemeClr val="accent1"/>
+          </a:lnRef>
+          <a:fillRef idx="0">
+            <a:schemeClr val="accent1"/>
+          </a:fillRef>
+          <a:effectRef idx="1">
+            <a:schemeClr val="accent1"/>
+          </a:effectRef>
+          <a:fontRef idx="minor">
+            <a:schemeClr val="tx1"/>
+          </a:fontRef>
+        </p:style>
+      </p:cxnSp>
+      <p:cxnSp>
+        <p:nvCxnSpPr>
+          <p:cNvPr id="59" name="Straight Connector 58">
+            <a:extLst>
+              <a:ext uri="{FF2B5EF4-FFF2-40B4-BE49-F238E27FC236}">
+                <a16:creationId xmlns:a16="http://schemas.microsoft.com/office/drawing/2014/main" id="{E5C87701-C589-3E9D-CBA5-F22919464FAF}"/>
+              </a:ext>
+            </a:extLst>
+          </p:cNvPr>
+          <p:cNvCxnSpPr>
+            <a:stCxn id="48" idx="3"/>
+          </p:cNvCxnSpPr>
+          <p:nvPr/>
+        </p:nvCxnSpPr>
+        <p:spPr>
+          <a:xfrm>
+            <a:off x="10340260" y="2307209"/>
+            <a:ext cx="285215" cy="1"/>
+          </a:xfrm>
+          <a:prstGeom prst="line">
+            <a:avLst/>
+          </a:prstGeom>
         </p:spPr>
         <p:style>
           <a:lnRef idx="2">
@@ -10356,6 +12231,980 @@
     <p:extLst>
       <p:ext uri="{BB962C8B-B14F-4D97-AF65-F5344CB8AC3E}">
         <p14:creationId xmlns:p14="http://schemas.microsoft.com/office/powerpoint/2010/main" val="3859954589"/>
+      </p:ext>
+    </p:extLst>
+  </p:cSld>
+  <p:clrMapOvr>
+    <a:masterClrMapping/>
+  </p:clrMapOvr>
+</p:sld>
+</file>
+
+<file path=ppt/slides/slide8.xml><?xml version="1.0" encoding="utf-8"?>
+<p:sld xmlns:a="http://schemas.openxmlformats.org/drawingml/2006/main" xmlns:r="http://schemas.openxmlformats.org/officeDocument/2006/relationships" xmlns:p="http://schemas.openxmlformats.org/presentationml/2006/main">
+  <p:cSld>
+    <p:spTree>
+      <p:nvGrpSpPr>
+        <p:cNvPr id="1" name=""/>
+        <p:cNvGrpSpPr/>
+        <p:nvPr/>
+      </p:nvGrpSpPr>
+      <p:grpSpPr>
+        <a:xfrm>
+          <a:off x="0" y="0"/>
+          <a:ext cx="0" cy="0"/>
+          <a:chOff x="0" y="0"/>
+          <a:chExt cx="0" cy="0"/>
+        </a:xfrm>
+      </p:grpSpPr>
+      <p:pic>
+        <p:nvPicPr>
+          <p:cNvPr id="5" name="Picture 4">
+            <a:extLst>
+              <a:ext uri="{FF2B5EF4-FFF2-40B4-BE49-F238E27FC236}">
+                <a16:creationId xmlns:a16="http://schemas.microsoft.com/office/drawing/2014/main" id="{A2C6D1F5-FF3D-AC56-9CA2-B53A82B7E762}"/>
+              </a:ext>
+            </a:extLst>
+          </p:cNvPr>
+          <p:cNvPicPr>
+            <a:picLocks noChangeAspect="1"/>
+          </p:cNvPicPr>
+          <p:nvPr/>
+        </p:nvPicPr>
+        <p:blipFill>
+          <a:blip r:embed="rId2"/>
+          <a:stretch>
+            <a:fillRect/>
+          </a:stretch>
+        </p:blipFill>
+        <p:spPr>
+          <a:xfrm>
+            <a:off x="2056995" y="541215"/>
+            <a:ext cx="7361325" cy="5775570"/>
+          </a:xfrm>
+          <a:prstGeom prst="rect">
+            <a:avLst/>
+          </a:prstGeom>
+        </p:spPr>
+      </p:pic>
+      <p:sp>
+        <p:nvSpPr>
+          <p:cNvPr id="6" name="TextBox 5">
+            <a:extLst>
+              <a:ext uri="{FF2B5EF4-FFF2-40B4-BE49-F238E27FC236}">
+                <a16:creationId xmlns:a16="http://schemas.microsoft.com/office/drawing/2014/main" id="{83C04961-ED51-112E-A111-24FF75067F8D}"/>
+              </a:ext>
+            </a:extLst>
+          </p:cNvPr>
+          <p:cNvSpPr txBox="1"/>
+          <p:nvPr/>
+        </p:nvSpPr>
+        <p:spPr>
+          <a:xfrm>
+            <a:off x="319635" y="-323166"/>
+            <a:ext cx="2206395" cy="646331"/>
+          </a:xfrm>
+          <a:prstGeom prst="rect">
+            <a:avLst/>
+          </a:prstGeom>
+          <a:solidFill>
+            <a:schemeClr val="accent2"/>
+          </a:solidFill>
+        </p:spPr>
+        <p:txBody>
+          <a:bodyPr wrap="square" rtlCol="0">
+            <a:spAutoFit/>
+          </a:bodyPr>
+          <a:lstStyle/>
+          <a:p>
+            <a:r>
+              <a:rPr lang="en-US" dirty="0"/>
+              <a:t>“School” dropdown – not work yet</a:t>
+            </a:r>
+          </a:p>
+        </p:txBody>
+      </p:sp>
+      <p:cxnSp>
+        <p:nvCxnSpPr>
+          <p:cNvPr id="8" name="Straight Arrow Connector 7">
+            <a:extLst>
+              <a:ext uri="{FF2B5EF4-FFF2-40B4-BE49-F238E27FC236}">
+                <a16:creationId xmlns:a16="http://schemas.microsoft.com/office/drawing/2014/main" id="{B962C3E8-92A4-D895-A690-E8B16E7824D3}"/>
+              </a:ext>
+            </a:extLst>
+          </p:cNvPr>
+          <p:cNvCxnSpPr>
+            <a:cxnSpLocks/>
+          </p:cNvCxnSpPr>
+          <p:nvPr/>
+        </p:nvCxnSpPr>
+        <p:spPr>
+          <a:xfrm>
+            <a:off x="2056995" y="80010"/>
+            <a:ext cx="846225" cy="1360170"/>
+          </a:xfrm>
+          <a:prstGeom prst="straightConnector1">
+            <a:avLst/>
+          </a:prstGeom>
+          <a:ln>
+            <a:solidFill>
+              <a:srgbClr val="FF0000"/>
+            </a:solidFill>
+            <a:tailEnd type="triangle"/>
+          </a:ln>
+        </p:spPr>
+        <p:style>
+          <a:lnRef idx="2">
+            <a:schemeClr val="accent1"/>
+          </a:lnRef>
+          <a:fillRef idx="0">
+            <a:schemeClr val="accent1"/>
+          </a:fillRef>
+          <a:effectRef idx="1">
+            <a:schemeClr val="accent1"/>
+          </a:effectRef>
+          <a:fontRef idx="minor">
+            <a:schemeClr val="tx1"/>
+          </a:fontRef>
+        </p:style>
+      </p:cxnSp>
+      <p:cxnSp>
+        <p:nvCxnSpPr>
+          <p:cNvPr id="10" name="Straight Arrow Connector 9">
+            <a:extLst>
+              <a:ext uri="{FF2B5EF4-FFF2-40B4-BE49-F238E27FC236}">
+                <a16:creationId xmlns:a16="http://schemas.microsoft.com/office/drawing/2014/main" id="{4CB6F6B2-EEE6-344E-BC6B-D4777F73A69B}"/>
+              </a:ext>
+            </a:extLst>
+          </p:cNvPr>
+          <p:cNvCxnSpPr>
+            <a:cxnSpLocks/>
+          </p:cNvCxnSpPr>
+          <p:nvPr/>
+        </p:nvCxnSpPr>
+        <p:spPr>
+          <a:xfrm>
+            <a:off x="971550" y="5913120"/>
+            <a:ext cx="1200150" cy="0"/>
+          </a:xfrm>
+          <a:prstGeom prst="straightConnector1">
+            <a:avLst/>
+          </a:prstGeom>
+          <a:ln>
+            <a:solidFill>
+              <a:srgbClr val="FF0000"/>
+            </a:solidFill>
+            <a:tailEnd type="triangle"/>
+          </a:ln>
+        </p:spPr>
+        <p:style>
+          <a:lnRef idx="2">
+            <a:schemeClr val="accent1"/>
+          </a:lnRef>
+          <a:fillRef idx="0">
+            <a:schemeClr val="accent1"/>
+          </a:fillRef>
+          <a:effectRef idx="1">
+            <a:schemeClr val="accent1"/>
+          </a:effectRef>
+          <a:fontRef idx="minor">
+            <a:schemeClr val="tx1"/>
+          </a:fontRef>
+        </p:style>
+      </p:cxnSp>
+      <p:sp>
+        <p:nvSpPr>
+          <p:cNvPr id="13" name="Rectangle 12">
+            <a:extLst>
+              <a:ext uri="{FF2B5EF4-FFF2-40B4-BE49-F238E27FC236}">
+                <a16:creationId xmlns:a16="http://schemas.microsoft.com/office/drawing/2014/main" id="{736D2858-A6F7-AA08-823A-FE129CC57A7D}"/>
+              </a:ext>
+            </a:extLst>
+          </p:cNvPr>
+          <p:cNvSpPr/>
+          <p:nvPr/>
+        </p:nvSpPr>
+        <p:spPr>
+          <a:xfrm>
+            <a:off x="2171700" y="5566410"/>
+            <a:ext cx="6823710" cy="617220"/>
+          </a:xfrm>
+          <a:prstGeom prst="rect">
+            <a:avLst/>
+          </a:prstGeom>
+          <a:noFill/>
+          <a:ln>
+            <a:solidFill>
+              <a:srgbClr val="FF0000"/>
+            </a:solidFill>
+          </a:ln>
+        </p:spPr>
+        <p:style>
+          <a:lnRef idx="2">
+            <a:schemeClr val="accent1">
+              <a:shade val="15000"/>
+            </a:schemeClr>
+          </a:lnRef>
+          <a:fillRef idx="1">
+            <a:schemeClr val="accent1"/>
+          </a:fillRef>
+          <a:effectRef idx="0">
+            <a:schemeClr val="accent1"/>
+          </a:effectRef>
+          <a:fontRef idx="minor">
+            <a:schemeClr val="lt1"/>
+          </a:fontRef>
+        </p:style>
+        <p:txBody>
+          <a:bodyPr rtlCol="0" anchor="ctr"/>
+          <a:lstStyle/>
+          <a:p>
+            <a:pPr algn="ctr"/>
+            <a:endParaRPr lang="en-US"/>
+          </a:p>
+        </p:txBody>
+      </p:sp>
+      <p:sp>
+        <p:nvSpPr>
+          <p:cNvPr id="14" name="TextBox 13">
+            <a:extLst>
+              <a:ext uri="{FF2B5EF4-FFF2-40B4-BE49-F238E27FC236}">
+                <a16:creationId xmlns:a16="http://schemas.microsoft.com/office/drawing/2014/main" id="{A7E319E7-3636-C9B4-43AA-378C32922D99}"/>
+              </a:ext>
+            </a:extLst>
+          </p:cNvPr>
+          <p:cNvSpPr txBox="1"/>
+          <p:nvPr/>
+        </p:nvSpPr>
+        <p:spPr>
+          <a:xfrm>
+            <a:off x="-1103198" y="4983479"/>
+            <a:ext cx="2206395" cy="1200329"/>
+          </a:xfrm>
+          <a:prstGeom prst="rect">
+            <a:avLst/>
+          </a:prstGeom>
+          <a:solidFill>
+            <a:schemeClr val="accent2"/>
+          </a:solidFill>
+        </p:spPr>
+        <p:txBody>
+          <a:bodyPr wrap="square" rtlCol="0">
+            <a:spAutoFit/>
+          </a:bodyPr>
+          <a:lstStyle/>
+          <a:p>
+            <a:r>
+              <a:rPr lang="en-US" dirty="0"/>
+              <a:t>Missing labels: can’t understand the data such as “81”, “Palmerston Rd”</a:t>
+            </a:r>
+          </a:p>
+        </p:txBody>
+      </p:sp>
+      <p:sp>
+        <p:nvSpPr>
+          <p:cNvPr id="15" name="Rectangle 14">
+            <a:extLst>
+              <a:ext uri="{FF2B5EF4-FFF2-40B4-BE49-F238E27FC236}">
+                <a16:creationId xmlns:a16="http://schemas.microsoft.com/office/drawing/2014/main" id="{D4CD067D-E791-75EF-1A5E-C10209E50C7C}"/>
+              </a:ext>
+            </a:extLst>
+          </p:cNvPr>
+          <p:cNvSpPr/>
+          <p:nvPr/>
+        </p:nvSpPr>
+        <p:spPr>
+          <a:xfrm>
+            <a:off x="2325802" y="1349620"/>
+            <a:ext cx="2737688" cy="216290"/>
+          </a:xfrm>
+          <a:prstGeom prst="rect">
+            <a:avLst/>
+          </a:prstGeom>
+          <a:noFill/>
+          <a:ln>
+            <a:solidFill>
+              <a:srgbClr val="FF0000"/>
+            </a:solidFill>
+          </a:ln>
+        </p:spPr>
+        <p:style>
+          <a:lnRef idx="2">
+            <a:schemeClr val="accent1">
+              <a:shade val="15000"/>
+            </a:schemeClr>
+          </a:lnRef>
+          <a:fillRef idx="1">
+            <a:schemeClr val="accent1"/>
+          </a:fillRef>
+          <a:effectRef idx="0">
+            <a:schemeClr val="accent1"/>
+          </a:effectRef>
+          <a:fontRef idx="minor">
+            <a:schemeClr val="lt1"/>
+          </a:fontRef>
+        </p:style>
+        <p:txBody>
+          <a:bodyPr rtlCol="0" anchor="ctr"/>
+          <a:lstStyle/>
+          <a:p>
+            <a:pPr algn="ctr"/>
+            <a:endParaRPr lang="en-US"/>
+          </a:p>
+        </p:txBody>
+      </p:sp>
+      <p:pic>
+        <p:nvPicPr>
+          <p:cNvPr id="17" name="Picture 16">
+            <a:extLst>
+              <a:ext uri="{FF2B5EF4-FFF2-40B4-BE49-F238E27FC236}">
+                <a16:creationId xmlns:a16="http://schemas.microsoft.com/office/drawing/2014/main" id="{AE916CDC-E950-C3AD-6CA2-90F5F4B61D7A}"/>
+              </a:ext>
+            </a:extLst>
+          </p:cNvPr>
+          <p:cNvPicPr>
+            <a:picLocks noChangeAspect="1"/>
+          </p:cNvPicPr>
+          <p:nvPr/>
+        </p:nvPicPr>
+        <p:blipFill>
+          <a:blip r:embed="rId3"/>
+          <a:stretch>
+            <a:fillRect/>
+          </a:stretch>
+        </p:blipFill>
+        <p:spPr>
+          <a:xfrm>
+            <a:off x="9866198" y="-1717181"/>
+            <a:ext cx="12192000" cy="6566181"/>
+          </a:xfrm>
+          <a:prstGeom prst="rect">
+            <a:avLst/>
+          </a:prstGeom>
+        </p:spPr>
+      </p:pic>
+      <p:sp>
+        <p:nvSpPr>
+          <p:cNvPr id="18" name="TextBox 17">
+            <a:extLst>
+              <a:ext uri="{FF2B5EF4-FFF2-40B4-BE49-F238E27FC236}">
+                <a16:creationId xmlns:a16="http://schemas.microsoft.com/office/drawing/2014/main" id="{20DD3E70-186A-E542-9E9B-E180FD47B283}"/>
+              </a:ext>
+            </a:extLst>
+          </p:cNvPr>
+          <p:cNvSpPr txBox="1"/>
+          <p:nvPr/>
+        </p:nvSpPr>
+        <p:spPr>
+          <a:xfrm>
+            <a:off x="5063490" y="-3090880"/>
+            <a:ext cx="3763903" cy="923330"/>
+          </a:xfrm>
+          <a:prstGeom prst="rect">
+            <a:avLst/>
+          </a:prstGeom>
+          <a:solidFill>
+            <a:schemeClr val="accent2"/>
+          </a:solidFill>
+        </p:spPr>
+        <p:txBody>
+          <a:bodyPr wrap="square" rtlCol="0">
+            <a:spAutoFit/>
+          </a:bodyPr>
+          <a:lstStyle/>
+          <a:p>
+            <a:r>
+              <a:rPr lang="en-US" dirty="0"/>
+              <a:t>On “</a:t>
+            </a:r>
+            <a:r>
+              <a:rPr lang="en-US" dirty="0" err="1"/>
+              <a:t>programmes</a:t>
+            </a:r>
+            <a:r>
+              <a:rPr lang="en-US" dirty="0"/>
+              <a:t>” sheet:  First column is “0” – why? Is it program code?</a:t>
+            </a:r>
+          </a:p>
+        </p:txBody>
+      </p:sp>
+      <p:cxnSp>
+        <p:nvCxnSpPr>
+          <p:cNvPr id="19" name="Straight Arrow Connector 18">
+            <a:extLst>
+              <a:ext uri="{FF2B5EF4-FFF2-40B4-BE49-F238E27FC236}">
+                <a16:creationId xmlns:a16="http://schemas.microsoft.com/office/drawing/2014/main" id="{84904EB7-DC84-F1F0-1253-C336E5265815}"/>
+              </a:ext>
+            </a:extLst>
+          </p:cNvPr>
+          <p:cNvCxnSpPr>
+            <a:cxnSpLocks/>
+            <a:stCxn id="18" idx="3"/>
+          </p:cNvCxnSpPr>
+          <p:nvPr/>
+        </p:nvCxnSpPr>
+        <p:spPr>
+          <a:xfrm>
+            <a:off x="8827393" y="-2629215"/>
+            <a:ext cx="1248592" cy="983643"/>
+          </a:xfrm>
+          <a:prstGeom prst="straightConnector1">
+            <a:avLst/>
+          </a:prstGeom>
+          <a:ln>
+            <a:solidFill>
+              <a:srgbClr val="FF0000"/>
+            </a:solidFill>
+            <a:tailEnd type="triangle"/>
+          </a:ln>
+        </p:spPr>
+        <p:style>
+          <a:lnRef idx="2">
+            <a:schemeClr val="accent1"/>
+          </a:lnRef>
+          <a:fillRef idx="0">
+            <a:schemeClr val="accent1"/>
+          </a:fillRef>
+          <a:effectRef idx="1">
+            <a:schemeClr val="accent1"/>
+          </a:effectRef>
+          <a:fontRef idx="minor">
+            <a:schemeClr val="tx1"/>
+          </a:fontRef>
+        </p:style>
+      </p:cxnSp>
+      <p:sp>
+        <p:nvSpPr>
+          <p:cNvPr id="22" name="Rectangle 21">
+            <a:extLst>
+              <a:ext uri="{FF2B5EF4-FFF2-40B4-BE49-F238E27FC236}">
+                <a16:creationId xmlns:a16="http://schemas.microsoft.com/office/drawing/2014/main" id="{6197A412-CC8B-93B5-4667-D72CAB860940}"/>
+              </a:ext>
+            </a:extLst>
+          </p:cNvPr>
+          <p:cNvSpPr/>
+          <p:nvPr/>
+        </p:nvSpPr>
+        <p:spPr>
+          <a:xfrm>
+            <a:off x="2325802" y="3429000"/>
+            <a:ext cx="6823710" cy="216290"/>
+          </a:xfrm>
+          <a:prstGeom prst="rect">
+            <a:avLst/>
+          </a:prstGeom>
+          <a:noFill/>
+          <a:ln>
+            <a:solidFill>
+              <a:srgbClr val="FF0000"/>
+            </a:solidFill>
+          </a:ln>
+        </p:spPr>
+        <p:style>
+          <a:lnRef idx="2">
+            <a:schemeClr val="accent1">
+              <a:shade val="15000"/>
+            </a:schemeClr>
+          </a:lnRef>
+          <a:fillRef idx="1">
+            <a:schemeClr val="accent1"/>
+          </a:fillRef>
+          <a:effectRef idx="0">
+            <a:schemeClr val="accent1"/>
+          </a:effectRef>
+          <a:fontRef idx="minor">
+            <a:schemeClr val="lt1"/>
+          </a:fontRef>
+        </p:style>
+        <p:txBody>
+          <a:bodyPr rtlCol="0" anchor="ctr"/>
+          <a:lstStyle/>
+          <a:p>
+            <a:pPr algn="ctr"/>
+            <a:endParaRPr lang="en-US"/>
+          </a:p>
+        </p:txBody>
+      </p:sp>
+      <p:sp>
+        <p:nvSpPr>
+          <p:cNvPr id="23" name="TextBox 22">
+            <a:extLst>
+              <a:ext uri="{FF2B5EF4-FFF2-40B4-BE49-F238E27FC236}">
+                <a16:creationId xmlns:a16="http://schemas.microsoft.com/office/drawing/2014/main" id="{3F39F9EB-226A-11A2-3221-87117504FED7}"/>
+              </a:ext>
+            </a:extLst>
+          </p:cNvPr>
+          <p:cNvSpPr txBox="1"/>
+          <p:nvPr/>
+        </p:nvSpPr>
+        <p:spPr>
+          <a:xfrm>
+            <a:off x="-1021430" y="2998959"/>
+            <a:ext cx="2206395" cy="646331"/>
+          </a:xfrm>
+          <a:prstGeom prst="rect">
+            <a:avLst/>
+          </a:prstGeom>
+          <a:solidFill>
+            <a:schemeClr val="accent2"/>
+          </a:solidFill>
+        </p:spPr>
+        <p:txBody>
+          <a:bodyPr wrap="square" rtlCol="0">
+            <a:spAutoFit/>
+          </a:bodyPr>
+          <a:lstStyle/>
+          <a:p>
+            <a:r>
+              <a:rPr lang="en-US" dirty="0"/>
+              <a:t>An error? Should not display N/A</a:t>
+            </a:r>
+          </a:p>
+        </p:txBody>
+      </p:sp>
+      <p:cxnSp>
+        <p:nvCxnSpPr>
+          <p:cNvPr id="24" name="Straight Arrow Connector 23">
+            <a:extLst>
+              <a:ext uri="{FF2B5EF4-FFF2-40B4-BE49-F238E27FC236}">
+                <a16:creationId xmlns:a16="http://schemas.microsoft.com/office/drawing/2014/main" id="{E04D841C-C388-39E5-09BF-0C652E83E4F1}"/>
+              </a:ext>
+            </a:extLst>
+          </p:cNvPr>
+          <p:cNvCxnSpPr>
+            <a:cxnSpLocks/>
+            <a:stCxn id="23" idx="3"/>
+            <a:endCxn id="22" idx="1"/>
+          </p:cNvCxnSpPr>
+          <p:nvPr/>
+        </p:nvCxnSpPr>
+        <p:spPr>
+          <a:xfrm>
+            <a:off x="1184965" y="3322125"/>
+            <a:ext cx="1140837" cy="215020"/>
+          </a:xfrm>
+          <a:prstGeom prst="straightConnector1">
+            <a:avLst/>
+          </a:prstGeom>
+          <a:ln>
+            <a:solidFill>
+              <a:srgbClr val="FF0000"/>
+            </a:solidFill>
+            <a:tailEnd type="triangle"/>
+          </a:ln>
+        </p:spPr>
+        <p:style>
+          <a:lnRef idx="2">
+            <a:schemeClr val="accent1"/>
+          </a:lnRef>
+          <a:fillRef idx="0">
+            <a:schemeClr val="accent1"/>
+          </a:fillRef>
+          <a:effectRef idx="1">
+            <a:schemeClr val="accent1"/>
+          </a:effectRef>
+          <a:fontRef idx="minor">
+            <a:schemeClr val="tx1"/>
+          </a:fontRef>
+        </p:style>
+      </p:cxnSp>
+      <p:sp>
+        <p:nvSpPr>
+          <p:cNvPr id="28" name="TextBox 27">
+            <a:extLst>
+              <a:ext uri="{FF2B5EF4-FFF2-40B4-BE49-F238E27FC236}">
+                <a16:creationId xmlns:a16="http://schemas.microsoft.com/office/drawing/2014/main" id="{3E109235-684E-C932-F5D6-C2EE81CFE8F6}"/>
+              </a:ext>
+            </a:extLst>
+          </p:cNvPr>
+          <p:cNvSpPr txBox="1"/>
+          <p:nvPr/>
+        </p:nvSpPr>
+        <p:spPr>
+          <a:xfrm>
+            <a:off x="4839553" y="-1703071"/>
+            <a:ext cx="3763902" cy="923330"/>
+          </a:xfrm>
+          <a:prstGeom prst="rect">
+            <a:avLst/>
+          </a:prstGeom>
+          <a:solidFill>
+            <a:schemeClr val="accent2"/>
+          </a:solidFill>
+        </p:spPr>
+        <p:txBody>
+          <a:bodyPr wrap="square" rtlCol="0">
+            <a:spAutoFit/>
+          </a:bodyPr>
+          <a:lstStyle/>
+          <a:p>
+            <a:r>
+              <a:rPr lang="en-US" dirty="0"/>
+              <a:t>On “</a:t>
+            </a:r>
+            <a:r>
+              <a:rPr lang="en-US" dirty="0" err="1"/>
+              <a:t>programmes</a:t>
+            </a:r>
+            <a:r>
+              <a:rPr lang="en-US" dirty="0"/>
+              <a:t>” sheet : How to generate this number for a newly created program? “200008”</a:t>
+            </a:r>
+          </a:p>
+        </p:txBody>
+      </p:sp>
+      <p:cxnSp>
+        <p:nvCxnSpPr>
+          <p:cNvPr id="29" name="Straight Arrow Connector 28">
+            <a:extLst>
+              <a:ext uri="{FF2B5EF4-FFF2-40B4-BE49-F238E27FC236}">
+                <a16:creationId xmlns:a16="http://schemas.microsoft.com/office/drawing/2014/main" id="{2FACA537-F628-DF1B-F2A3-50E058793068}"/>
+              </a:ext>
+            </a:extLst>
+          </p:cNvPr>
+          <p:cNvCxnSpPr>
+            <a:cxnSpLocks/>
+            <a:stCxn id="28" idx="3"/>
+          </p:cNvCxnSpPr>
+          <p:nvPr/>
+        </p:nvCxnSpPr>
+        <p:spPr>
+          <a:xfrm>
+            <a:off x="8603455" y="-1241406"/>
+            <a:ext cx="1262743" cy="495172"/>
+          </a:xfrm>
+          <a:prstGeom prst="straightConnector1">
+            <a:avLst/>
+          </a:prstGeom>
+          <a:ln>
+            <a:solidFill>
+              <a:srgbClr val="FF0000"/>
+            </a:solidFill>
+            <a:tailEnd type="triangle"/>
+          </a:ln>
+        </p:spPr>
+        <p:style>
+          <a:lnRef idx="2">
+            <a:schemeClr val="accent1"/>
+          </a:lnRef>
+          <a:fillRef idx="0">
+            <a:schemeClr val="accent1"/>
+          </a:fillRef>
+          <a:effectRef idx="1">
+            <a:schemeClr val="accent1"/>
+          </a:effectRef>
+          <a:fontRef idx="minor">
+            <a:schemeClr val="tx1"/>
+          </a:fontRef>
+        </p:style>
+      </p:cxnSp>
+      <p:sp>
+        <p:nvSpPr>
+          <p:cNvPr id="33" name="Rectangle 32">
+            <a:extLst>
+              <a:ext uri="{FF2B5EF4-FFF2-40B4-BE49-F238E27FC236}">
+                <a16:creationId xmlns:a16="http://schemas.microsoft.com/office/drawing/2014/main" id="{469F800B-3BB6-DFE0-A2D9-88E581DEEF99}"/>
+              </a:ext>
+            </a:extLst>
+          </p:cNvPr>
+          <p:cNvSpPr/>
+          <p:nvPr/>
+        </p:nvSpPr>
+        <p:spPr>
+          <a:xfrm>
+            <a:off x="9938622" y="-832795"/>
+            <a:ext cx="9869602" cy="180945"/>
+          </a:xfrm>
+          <a:prstGeom prst="rect">
+            <a:avLst/>
+          </a:prstGeom>
+          <a:noFill/>
+          <a:ln>
+            <a:solidFill>
+              <a:srgbClr val="FF0000"/>
+            </a:solidFill>
+          </a:ln>
+        </p:spPr>
+        <p:style>
+          <a:lnRef idx="2">
+            <a:schemeClr val="accent1">
+              <a:shade val="15000"/>
+            </a:schemeClr>
+          </a:lnRef>
+          <a:fillRef idx="1">
+            <a:schemeClr val="accent1"/>
+          </a:fillRef>
+          <a:effectRef idx="0">
+            <a:schemeClr val="accent1"/>
+          </a:effectRef>
+          <a:fontRef idx="minor">
+            <a:schemeClr val="lt1"/>
+          </a:fontRef>
+        </p:style>
+        <p:txBody>
+          <a:bodyPr rtlCol="0" anchor="ctr"/>
+          <a:lstStyle/>
+          <a:p>
+            <a:pPr algn="ctr"/>
+            <a:endParaRPr lang="en-US"/>
+          </a:p>
+        </p:txBody>
+      </p:sp>
+      <p:sp>
+        <p:nvSpPr>
+          <p:cNvPr id="34" name="Oval 33">
+            <a:extLst>
+              <a:ext uri="{FF2B5EF4-FFF2-40B4-BE49-F238E27FC236}">
+                <a16:creationId xmlns:a16="http://schemas.microsoft.com/office/drawing/2014/main" id="{EF5655DC-3C69-06B1-3871-6A9E3732226F}"/>
+              </a:ext>
+            </a:extLst>
+          </p:cNvPr>
+          <p:cNvSpPr/>
+          <p:nvPr/>
+        </p:nvSpPr>
+        <p:spPr>
+          <a:xfrm>
+            <a:off x="9938622" y="-1703071"/>
+            <a:ext cx="361301" cy="323166"/>
+          </a:xfrm>
+          <a:prstGeom prst="ellipse">
+            <a:avLst/>
+          </a:prstGeom>
+          <a:noFill/>
+          <a:ln>
+            <a:solidFill>
+              <a:srgbClr val="FF0000"/>
+            </a:solidFill>
+          </a:ln>
+        </p:spPr>
+        <p:style>
+          <a:lnRef idx="2">
+            <a:schemeClr val="accent1">
+              <a:shade val="15000"/>
+            </a:schemeClr>
+          </a:lnRef>
+          <a:fillRef idx="1">
+            <a:schemeClr val="accent1"/>
+          </a:fillRef>
+          <a:effectRef idx="0">
+            <a:schemeClr val="accent1"/>
+          </a:effectRef>
+          <a:fontRef idx="minor">
+            <a:schemeClr val="lt1"/>
+          </a:fontRef>
+        </p:style>
+        <p:txBody>
+          <a:bodyPr rtlCol="0" anchor="ctr"/>
+          <a:lstStyle/>
+          <a:p>
+            <a:pPr algn="ctr"/>
+            <a:endParaRPr lang="en-US"/>
+          </a:p>
+        </p:txBody>
+      </p:sp>
+      <p:pic>
+        <p:nvPicPr>
+          <p:cNvPr id="36" name="Picture 35">
+            <a:extLst>
+              <a:ext uri="{FF2B5EF4-FFF2-40B4-BE49-F238E27FC236}">
+                <a16:creationId xmlns:a16="http://schemas.microsoft.com/office/drawing/2014/main" id="{4D6557E6-A506-B28D-52E1-16CAD56828DF}"/>
+              </a:ext>
+            </a:extLst>
+          </p:cNvPr>
+          <p:cNvPicPr>
+            <a:picLocks noChangeAspect="1"/>
+          </p:cNvPicPr>
+          <p:nvPr/>
+        </p:nvPicPr>
+        <p:blipFill>
+          <a:blip r:embed="rId4"/>
+          <a:stretch>
+            <a:fillRect/>
+          </a:stretch>
+        </p:blipFill>
+        <p:spPr>
+          <a:xfrm>
+            <a:off x="9866198" y="4136718"/>
+            <a:ext cx="11515725" cy="657225"/>
+          </a:xfrm>
+          <a:prstGeom prst="rect">
+            <a:avLst/>
+          </a:prstGeom>
+        </p:spPr>
+      </p:pic>
+      <p:sp>
+        <p:nvSpPr>
+          <p:cNvPr id="37" name="TextBox 36">
+            <a:extLst>
+              <a:ext uri="{FF2B5EF4-FFF2-40B4-BE49-F238E27FC236}">
+                <a16:creationId xmlns:a16="http://schemas.microsoft.com/office/drawing/2014/main" id="{7C483232-F232-F1EB-6803-2365D48BD17D}"/>
+              </a:ext>
+            </a:extLst>
+          </p:cNvPr>
+          <p:cNvSpPr txBox="1"/>
+          <p:nvPr/>
+        </p:nvSpPr>
+        <p:spPr>
+          <a:xfrm>
+            <a:off x="10372118" y="5993619"/>
+            <a:ext cx="3763902" cy="646331"/>
+          </a:xfrm>
+          <a:prstGeom prst="rect">
+            <a:avLst/>
+          </a:prstGeom>
+          <a:solidFill>
+            <a:schemeClr val="accent2"/>
+          </a:solidFill>
+        </p:spPr>
+        <p:txBody>
+          <a:bodyPr wrap="square" rtlCol="0">
+            <a:spAutoFit/>
+          </a:bodyPr>
+          <a:lstStyle/>
+          <a:p>
+            <a:r>
+              <a:rPr lang="en-US" dirty="0"/>
+              <a:t>On “</a:t>
+            </a:r>
+            <a:r>
+              <a:rPr lang="en-US" dirty="0" err="1"/>
+              <a:t>programmes</a:t>
+            </a:r>
+            <a:r>
+              <a:rPr lang="en-US" dirty="0"/>
+              <a:t>” sheet : Last row (292): what is this data?</a:t>
+            </a:r>
+          </a:p>
+        </p:txBody>
+      </p:sp>
+      <p:cxnSp>
+        <p:nvCxnSpPr>
+          <p:cNvPr id="38" name="Straight Arrow Connector 37">
+            <a:extLst>
+              <a:ext uri="{FF2B5EF4-FFF2-40B4-BE49-F238E27FC236}">
+                <a16:creationId xmlns:a16="http://schemas.microsoft.com/office/drawing/2014/main" id="{10804E4F-8AC3-5F8A-20F0-FA9B7E265B0E}"/>
+              </a:ext>
+            </a:extLst>
+          </p:cNvPr>
+          <p:cNvCxnSpPr>
+            <a:cxnSpLocks/>
+          </p:cNvCxnSpPr>
+          <p:nvPr/>
+        </p:nvCxnSpPr>
+        <p:spPr>
+          <a:xfrm flipH="1" flipV="1">
+            <a:off x="10372118" y="4588042"/>
+            <a:ext cx="1025630" cy="1405577"/>
+          </a:xfrm>
+          <a:prstGeom prst="straightConnector1">
+            <a:avLst/>
+          </a:prstGeom>
+          <a:ln>
+            <a:solidFill>
+              <a:srgbClr val="FF0000"/>
+            </a:solidFill>
+            <a:tailEnd type="triangle"/>
+          </a:ln>
+        </p:spPr>
+        <p:style>
+          <a:lnRef idx="2">
+            <a:schemeClr val="accent1"/>
+          </a:lnRef>
+          <a:fillRef idx="0">
+            <a:schemeClr val="accent1"/>
+          </a:fillRef>
+          <a:effectRef idx="1">
+            <a:schemeClr val="accent1"/>
+          </a:effectRef>
+          <a:fontRef idx="minor">
+            <a:schemeClr val="tx1"/>
+          </a:fontRef>
+        </p:style>
+      </p:cxnSp>
+    </p:spTree>
+    <p:extLst>
+      <p:ext uri="{BB962C8B-B14F-4D97-AF65-F5344CB8AC3E}">
+        <p14:creationId xmlns:p14="http://schemas.microsoft.com/office/powerpoint/2010/main" val="1717440304"/>
+      </p:ext>
+    </p:extLst>
+  </p:cSld>
+  <p:clrMapOvr>
+    <a:masterClrMapping/>
+  </p:clrMapOvr>
+</p:sld>
+</file>
+
+<file path=ppt/slides/slide9.xml><?xml version="1.0" encoding="utf-8"?>
+<p:sld xmlns:a="http://schemas.openxmlformats.org/drawingml/2006/main" xmlns:r="http://schemas.openxmlformats.org/officeDocument/2006/relationships" xmlns:p="http://schemas.openxmlformats.org/presentationml/2006/main">
+  <p:cSld>
+    <p:spTree>
+      <p:nvGrpSpPr>
+        <p:cNvPr id="1" name=""/>
+        <p:cNvGrpSpPr/>
+        <p:nvPr/>
+      </p:nvGrpSpPr>
+      <p:grpSpPr>
+        <a:xfrm>
+          <a:off x="0" y="0"/>
+          <a:ext cx="0" cy="0"/>
+          <a:chOff x="0" y="0"/>
+          <a:chExt cx="0" cy="0"/>
+        </a:xfrm>
+      </p:grpSpPr>
+      <p:sp>
+        <p:nvSpPr>
+          <p:cNvPr id="2" name="Title 1">
+            <a:extLst>
+              <a:ext uri="{FF2B5EF4-FFF2-40B4-BE49-F238E27FC236}">
+                <a16:creationId xmlns:a16="http://schemas.microsoft.com/office/drawing/2014/main" id="{A1902EE2-207D-3B0D-47BB-1BB5E7736387}"/>
+              </a:ext>
+            </a:extLst>
+          </p:cNvPr>
+          <p:cNvSpPr>
+            <a:spLocks noGrp="1"/>
+          </p:cNvSpPr>
+          <p:nvPr>
+            <p:ph type="title"/>
+          </p:nvPr>
+        </p:nvSpPr>
+        <p:spPr/>
+        <p:txBody>
+          <a:bodyPr/>
+          <a:lstStyle/>
+          <a:p>
+            <a:endParaRPr lang="en-US"/>
+          </a:p>
+        </p:txBody>
+      </p:sp>
+      <p:sp>
+        <p:nvSpPr>
+          <p:cNvPr id="3" name="Content Placeholder 2">
+            <a:extLst>
+              <a:ext uri="{FF2B5EF4-FFF2-40B4-BE49-F238E27FC236}">
+                <a16:creationId xmlns:a16="http://schemas.microsoft.com/office/drawing/2014/main" id="{E4BEFB52-1504-7E5E-FDC2-6CC632840329}"/>
+              </a:ext>
+            </a:extLst>
+          </p:cNvPr>
+          <p:cNvSpPr>
+            <a:spLocks noGrp="1"/>
+          </p:cNvSpPr>
+          <p:nvPr>
+            <p:ph idx="1"/>
+          </p:nvPr>
+        </p:nvSpPr>
+        <p:spPr/>
+        <p:txBody>
+          <a:bodyPr/>
+          <a:lstStyle/>
+          <a:p>
+            <a:endParaRPr lang="en-US"/>
+          </a:p>
+        </p:txBody>
+      </p:sp>
+    </p:spTree>
+    <p:extLst>
+      <p:ext uri="{BB962C8B-B14F-4D97-AF65-F5344CB8AC3E}">
+        <p14:creationId xmlns:p14="http://schemas.microsoft.com/office/powerpoint/2010/main" val="2644576767"/>
       </p:ext>
     </p:extLst>
   </p:cSld>
